--- a/content/04-networking-fundamentals.pptx
+++ b/content/04-networking-fundamentals.pptx
@@ -5,7 +5,7 @@
     <p:sldMasterId id="2147483696" r:id="rId1"/>
   </p:sldMasterIdLst>
   <p:notesMasterIdLst>
-    <p:notesMasterId r:id="rId39"/>
+    <p:notesMasterId r:id="rId37"/>
   </p:notesMasterIdLst>
   <p:sldIdLst>
     <p:sldId id="297" r:id="rId2"/>
@@ -39,12 +39,10 @@
     <p:sldId id="315" r:id="rId30"/>
     <p:sldId id="316" r:id="rId31"/>
     <p:sldId id="314" r:id="rId32"/>
-    <p:sldId id="282" r:id="rId33"/>
-    <p:sldId id="281" r:id="rId34"/>
-    <p:sldId id="292" r:id="rId35"/>
-    <p:sldId id="295" r:id="rId36"/>
-    <p:sldId id="293" r:id="rId37"/>
-    <p:sldId id="283" r:id="rId38"/>
+    <p:sldId id="281" r:id="rId33"/>
+    <p:sldId id="292" r:id="rId34"/>
+    <p:sldId id="293" r:id="rId35"/>
+    <p:sldId id="283" r:id="rId36"/>
   </p:sldIdLst>
   <p:sldSz cx="12192000" cy="6858000"/>
   <p:notesSz cx="6858000" cy="9144000"/>
@@ -183,14 +181,12 @@
             <p14:sldId id="315"/>
             <p14:sldId id="316"/>
             <p14:sldId id="314"/>
-            <p14:sldId id="282"/>
             <p14:sldId id="281"/>
           </p14:sldIdLst>
         </p14:section>
         <p14:section name="Wrap-Up" id="{250B09FA-E151-4F0D-B4D4-21A2DA6D2F7E}">
           <p14:sldIdLst>
             <p14:sldId id="292"/>
-            <p14:sldId id="295"/>
             <p14:sldId id="293"/>
             <p14:sldId id="283"/>
           </p14:sldIdLst>
@@ -4949,6 +4945,13 @@
         </dgm:presLayoutVars>
       </dgm:prSet>
       <dgm:spPr/>
+      <dgm:t>
+        <a:bodyPr/>
+        <a:lstStyle/>
+        <a:p>
+          <a:endParaRPr lang="en-US"/>
+        </a:p>
+      </dgm:t>
     </dgm:pt>
     <dgm:pt modelId="{F001DD6D-DA0F-404C-A708-6602AC797166}" type="pres">
       <dgm:prSet presAssocID="{ABDE13FA-A116-4B9A-B066-FC046D347119}" presName="thickLine" presStyleLbl="alignNode1" presStyleIdx="0" presStyleCnt="2"/>
@@ -4961,6 +4964,13 @@
     <dgm:pt modelId="{E02B7E08-5EC1-4DBC-8EF3-99F12436F2C1}" type="pres">
       <dgm:prSet presAssocID="{ABDE13FA-A116-4B9A-B066-FC046D347119}" presName="tx1" presStyleLbl="revTx" presStyleIdx="0" presStyleCnt="2"/>
       <dgm:spPr/>
+      <dgm:t>
+        <a:bodyPr/>
+        <a:lstStyle/>
+        <a:p>
+          <a:endParaRPr lang="en-US"/>
+        </a:p>
+      </dgm:t>
     </dgm:pt>
     <dgm:pt modelId="{F4C7762D-1DFE-48CC-8181-E9C0B8A36585}" type="pres">
       <dgm:prSet presAssocID="{ABDE13FA-A116-4B9A-B066-FC046D347119}" presName="vert1" presStyleCnt="0"/>
@@ -4977,6 +4987,13 @@
     <dgm:pt modelId="{30724EAA-AF59-4F84-A69F-279C97993F65}" type="pres">
       <dgm:prSet presAssocID="{DA3198B9-4CFB-4A7F-9FF3-63CB5210DF26}" presName="tx1" presStyleLbl="revTx" presStyleIdx="1" presStyleCnt="2"/>
       <dgm:spPr/>
+      <dgm:t>
+        <a:bodyPr/>
+        <a:lstStyle/>
+        <a:p>
+          <a:endParaRPr lang="en-US"/>
+        </a:p>
+      </dgm:t>
     </dgm:pt>
     <dgm:pt modelId="{6B4974A3-D677-4646-90DB-842665930853}" type="pres">
       <dgm:prSet presAssocID="{DA3198B9-4CFB-4A7F-9FF3-63CB5210DF26}" presName="vert1" presStyleCnt="0"/>
@@ -4984,11 +5001,11 @@
     </dgm:pt>
   </dgm:ptLst>
   <dgm:cxnLst>
+    <dgm:cxn modelId="{FBB6BAD0-CEE3-4944-BA04-8DF81150CD96}" type="presOf" srcId="{DA3198B9-4CFB-4A7F-9FF3-63CB5210DF26}" destId="{30724EAA-AF59-4F84-A69F-279C97993F65}" srcOrd="0" destOrd="0" presId="urn:microsoft.com/office/officeart/2008/layout/LinedList"/>
+    <dgm:cxn modelId="{CBFFC7AE-9BB1-42BB-995C-44BFD871C2D3}" srcId="{A3049F15-50F8-443E-8630-27389DEA185C}" destId="{ABDE13FA-A116-4B9A-B066-FC046D347119}" srcOrd="0" destOrd="0" parTransId="{9C9645A3-0A7A-4CDA-AEB1-38A9F2A712CC}" sibTransId="{8ACE7F64-4742-4ED8-9668-9956FF7385C6}"/>
+    <dgm:cxn modelId="{08A852DA-A9EF-4F9F-96CE-747EFF8A640A}" srcId="{A3049F15-50F8-443E-8630-27389DEA185C}" destId="{DA3198B9-4CFB-4A7F-9FF3-63CB5210DF26}" srcOrd="1" destOrd="0" parTransId="{506E2201-2909-48A1-8898-9B714449505B}" sibTransId="{93618D7D-CCAE-412D-964F-55AF7E53F38D}"/>
+    <dgm:cxn modelId="{9F33A192-D65A-45E8-A4F5-51E3FC41700E}" type="presOf" srcId="{ABDE13FA-A116-4B9A-B066-FC046D347119}" destId="{E02B7E08-5EC1-4DBC-8EF3-99F12436F2C1}" srcOrd="0" destOrd="0" presId="urn:microsoft.com/office/officeart/2008/layout/LinedList"/>
     <dgm:cxn modelId="{F3765A20-A2E0-460E-88D6-51D69715558A}" type="presOf" srcId="{A3049F15-50F8-443E-8630-27389DEA185C}" destId="{1427BEFA-A495-415F-8AA7-88C226A2A440}" srcOrd="0" destOrd="0" presId="urn:microsoft.com/office/officeart/2008/layout/LinedList"/>
-    <dgm:cxn modelId="{9F33A192-D65A-45E8-A4F5-51E3FC41700E}" type="presOf" srcId="{ABDE13FA-A116-4B9A-B066-FC046D347119}" destId="{E02B7E08-5EC1-4DBC-8EF3-99F12436F2C1}" srcOrd="0" destOrd="0" presId="urn:microsoft.com/office/officeart/2008/layout/LinedList"/>
-    <dgm:cxn modelId="{CBFFC7AE-9BB1-42BB-995C-44BFD871C2D3}" srcId="{A3049F15-50F8-443E-8630-27389DEA185C}" destId="{ABDE13FA-A116-4B9A-B066-FC046D347119}" srcOrd="0" destOrd="0" parTransId="{9C9645A3-0A7A-4CDA-AEB1-38A9F2A712CC}" sibTransId="{8ACE7F64-4742-4ED8-9668-9956FF7385C6}"/>
-    <dgm:cxn modelId="{FBB6BAD0-CEE3-4944-BA04-8DF81150CD96}" type="presOf" srcId="{DA3198B9-4CFB-4A7F-9FF3-63CB5210DF26}" destId="{30724EAA-AF59-4F84-A69F-279C97993F65}" srcOrd="0" destOrd="0" presId="urn:microsoft.com/office/officeart/2008/layout/LinedList"/>
-    <dgm:cxn modelId="{08A852DA-A9EF-4F9F-96CE-747EFF8A640A}" srcId="{A3049F15-50F8-443E-8630-27389DEA185C}" destId="{DA3198B9-4CFB-4A7F-9FF3-63CB5210DF26}" srcOrd="1" destOrd="0" parTransId="{506E2201-2909-48A1-8898-9B714449505B}" sibTransId="{93618D7D-CCAE-412D-964F-55AF7E53F38D}"/>
     <dgm:cxn modelId="{8CB5D91D-7F0E-447D-B3C0-C68A1C391900}" type="presParOf" srcId="{1427BEFA-A495-415F-8AA7-88C226A2A440}" destId="{F001DD6D-DA0F-404C-A708-6602AC797166}" srcOrd="0" destOrd="0" presId="urn:microsoft.com/office/officeart/2008/layout/LinedList"/>
     <dgm:cxn modelId="{EEDE3EF8-1915-4C2E-A86A-1A65074E7E16}" type="presParOf" srcId="{1427BEFA-A495-415F-8AA7-88C226A2A440}" destId="{BC712AE2-C4DC-4CCC-8FF7-B4E138388A05}" srcOrd="1" destOrd="0" presId="urn:microsoft.com/office/officeart/2008/layout/LinedList"/>
     <dgm:cxn modelId="{C9EA9F3E-B181-4C7A-B6B4-9C76C6DA6012}" type="presParOf" srcId="{BC712AE2-C4DC-4CCC-8FF7-B4E138388A05}" destId="{E02B7E08-5EC1-4DBC-8EF3-99F12436F2C1}" srcOrd="0" destOrd="0" presId="urn:microsoft.com/office/officeart/2008/layout/LinedList"/>
@@ -5139,6 +5156,13 @@
         </dgm:presLayoutVars>
       </dgm:prSet>
       <dgm:spPr/>
+      <dgm:t>
+        <a:bodyPr/>
+        <a:lstStyle/>
+        <a:p>
+          <a:endParaRPr lang="en-US"/>
+        </a:p>
+      </dgm:t>
     </dgm:pt>
     <dgm:pt modelId="{CA7DB4C1-56E8-451F-A33C-663655804250}" type="pres">
       <dgm:prSet presAssocID="{9861C08A-B2F5-44C6-BD05-07CD10F40886}" presName="thickLine" presStyleLbl="alignNode1" presStyleIdx="0" presStyleCnt="3"/>
@@ -5151,6 +5175,13 @@
     <dgm:pt modelId="{0B0A6A49-1923-4079-B012-A9948C1FCBD6}" type="pres">
       <dgm:prSet presAssocID="{9861C08A-B2F5-44C6-BD05-07CD10F40886}" presName="tx1" presStyleLbl="revTx" presStyleIdx="0" presStyleCnt="3"/>
       <dgm:spPr/>
+      <dgm:t>
+        <a:bodyPr/>
+        <a:lstStyle/>
+        <a:p>
+          <a:endParaRPr lang="en-US"/>
+        </a:p>
+      </dgm:t>
     </dgm:pt>
     <dgm:pt modelId="{CD25BCC6-5C3C-4669-B588-3AC5BB8296F5}" type="pres">
       <dgm:prSet presAssocID="{9861C08A-B2F5-44C6-BD05-07CD10F40886}" presName="vert1" presStyleCnt="0"/>
@@ -5167,6 +5198,13 @@
     <dgm:pt modelId="{657EEFEF-3A8F-4D12-87D6-D6B5FBAD42CE}" type="pres">
       <dgm:prSet presAssocID="{26E91EAA-BE3D-435D-9E5D-4DE474ABA424}" presName="tx1" presStyleLbl="revTx" presStyleIdx="1" presStyleCnt="3"/>
       <dgm:spPr/>
+      <dgm:t>
+        <a:bodyPr/>
+        <a:lstStyle/>
+        <a:p>
+          <a:endParaRPr lang="en-US"/>
+        </a:p>
+      </dgm:t>
     </dgm:pt>
     <dgm:pt modelId="{80B0A72B-AFDE-4759-959D-90686B0B85B6}" type="pres">
       <dgm:prSet presAssocID="{26E91EAA-BE3D-435D-9E5D-4DE474ABA424}" presName="vert1" presStyleCnt="0"/>
@@ -5183,6 +5221,13 @@
     <dgm:pt modelId="{19B8F6DC-EE93-4145-9AFB-D792CD78ADB3}" type="pres">
       <dgm:prSet presAssocID="{E4592369-979A-4F87-99FC-59A41C091770}" presName="tx1" presStyleLbl="revTx" presStyleIdx="2" presStyleCnt="3"/>
       <dgm:spPr/>
+      <dgm:t>
+        <a:bodyPr/>
+        <a:lstStyle/>
+        <a:p>
+          <a:endParaRPr lang="en-US"/>
+        </a:p>
+      </dgm:t>
     </dgm:pt>
     <dgm:pt modelId="{33BFA837-4A5C-4EAB-90A5-703D1C3E8C2E}" type="pres">
       <dgm:prSet presAssocID="{E4592369-979A-4F87-99FC-59A41C091770}" presName="vert1" presStyleCnt="0"/>
@@ -5190,13 +5235,13 @@
     </dgm:pt>
   </dgm:ptLst>
   <dgm:cxnLst>
+    <dgm:cxn modelId="{FEDD0EE6-543B-4C04-9F34-CC6F7F0FF82F}" srcId="{37F78876-437F-4BB1-9731-4B839C9618BE}" destId="{E4592369-979A-4F87-99FC-59A41C091770}" srcOrd="2" destOrd="0" parTransId="{D81D458E-51C1-4FC0-B364-DB581B5F8383}" sibTransId="{05DA22F1-ABE6-4346-A85D-A27F5123998C}"/>
+    <dgm:cxn modelId="{C6AF179E-00C2-449B-AC24-37647A555945}" type="presOf" srcId="{E4592369-979A-4F87-99FC-59A41C091770}" destId="{19B8F6DC-EE93-4145-9AFB-D792CD78ADB3}" srcOrd="0" destOrd="0" presId="urn:microsoft.com/office/officeart/2008/layout/LinedList"/>
+    <dgm:cxn modelId="{823E161D-1ACB-4E01-84C7-57DB2AFA06F0}" srcId="{37F78876-437F-4BB1-9731-4B839C9618BE}" destId="{26E91EAA-BE3D-435D-9E5D-4DE474ABA424}" srcOrd="1" destOrd="0" parTransId="{B4E9FCB7-9570-4280-982F-64E4F011173D}" sibTransId="{C2922EC3-8D39-4752-923B-C642CCB8CAD2}"/>
+    <dgm:cxn modelId="{8C14AC21-7DF9-428E-9596-C0CDC211C023}" type="presOf" srcId="{37F78876-437F-4BB1-9731-4B839C9618BE}" destId="{BB1E836B-9BBA-4464-8BD5-05C945DF40D3}" srcOrd="0" destOrd="0" presId="urn:microsoft.com/office/officeart/2008/layout/LinedList"/>
+    <dgm:cxn modelId="{ECF395FB-8711-44C5-AEB7-26E6D1B3635B}" type="presOf" srcId="{9861C08A-B2F5-44C6-BD05-07CD10F40886}" destId="{0B0A6A49-1923-4079-B012-A9948C1FCBD6}" srcOrd="0" destOrd="0" presId="urn:microsoft.com/office/officeart/2008/layout/LinedList"/>
     <dgm:cxn modelId="{79D3930E-3EC3-4607-998D-9FA3A007E060}" srcId="{37F78876-437F-4BB1-9731-4B839C9618BE}" destId="{9861C08A-B2F5-44C6-BD05-07CD10F40886}" srcOrd="0" destOrd="0" parTransId="{EDE6F8B6-AE47-4251-A665-838DD8509388}" sibTransId="{6D963ABB-123F-4262-B285-8C8FBF164806}"/>
     <dgm:cxn modelId="{76CA391A-D540-419E-BF27-309D2DCE487B}" type="presOf" srcId="{26E91EAA-BE3D-435D-9E5D-4DE474ABA424}" destId="{657EEFEF-3A8F-4D12-87D6-D6B5FBAD42CE}" srcOrd="0" destOrd="0" presId="urn:microsoft.com/office/officeart/2008/layout/LinedList"/>
-    <dgm:cxn modelId="{823E161D-1ACB-4E01-84C7-57DB2AFA06F0}" srcId="{37F78876-437F-4BB1-9731-4B839C9618BE}" destId="{26E91EAA-BE3D-435D-9E5D-4DE474ABA424}" srcOrd="1" destOrd="0" parTransId="{B4E9FCB7-9570-4280-982F-64E4F011173D}" sibTransId="{C2922EC3-8D39-4752-923B-C642CCB8CAD2}"/>
-    <dgm:cxn modelId="{8C14AC21-7DF9-428E-9596-C0CDC211C023}" type="presOf" srcId="{37F78876-437F-4BB1-9731-4B839C9618BE}" destId="{BB1E836B-9BBA-4464-8BD5-05C945DF40D3}" srcOrd="0" destOrd="0" presId="urn:microsoft.com/office/officeart/2008/layout/LinedList"/>
-    <dgm:cxn modelId="{C6AF179E-00C2-449B-AC24-37647A555945}" type="presOf" srcId="{E4592369-979A-4F87-99FC-59A41C091770}" destId="{19B8F6DC-EE93-4145-9AFB-D792CD78ADB3}" srcOrd="0" destOrd="0" presId="urn:microsoft.com/office/officeart/2008/layout/LinedList"/>
-    <dgm:cxn modelId="{FEDD0EE6-543B-4C04-9F34-CC6F7F0FF82F}" srcId="{37F78876-437F-4BB1-9731-4B839C9618BE}" destId="{E4592369-979A-4F87-99FC-59A41C091770}" srcOrd="2" destOrd="0" parTransId="{D81D458E-51C1-4FC0-B364-DB581B5F8383}" sibTransId="{05DA22F1-ABE6-4346-A85D-A27F5123998C}"/>
-    <dgm:cxn modelId="{ECF395FB-8711-44C5-AEB7-26E6D1B3635B}" type="presOf" srcId="{9861C08A-B2F5-44C6-BD05-07CD10F40886}" destId="{0B0A6A49-1923-4079-B012-A9948C1FCBD6}" srcOrd="0" destOrd="0" presId="urn:microsoft.com/office/officeart/2008/layout/LinedList"/>
     <dgm:cxn modelId="{EA825320-D4A3-4BA0-8C3C-12A425E5BE44}" type="presParOf" srcId="{BB1E836B-9BBA-4464-8BD5-05C945DF40D3}" destId="{CA7DB4C1-56E8-451F-A33C-663655804250}" srcOrd="0" destOrd="0" presId="urn:microsoft.com/office/officeart/2008/layout/LinedList"/>
     <dgm:cxn modelId="{E57548B4-BE07-4BA0-9E94-FAC733D8C46B}" type="presParOf" srcId="{BB1E836B-9BBA-4464-8BD5-05C945DF40D3}" destId="{9F225A16-8CC9-4638-BE23-81CF23D81F01}" srcOrd="1" destOrd="0" presId="urn:microsoft.com/office/officeart/2008/layout/LinedList"/>
     <dgm:cxn modelId="{0A4976AA-00F0-4497-B014-08E590DCCD91}" type="presParOf" srcId="{9F225A16-8CC9-4638-BE23-81CF23D81F01}" destId="{0B0A6A49-1923-4079-B012-A9948C1FCBD6}" srcOrd="0" destOrd="0" presId="urn:microsoft.com/office/officeart/2008/layout/LinedList"/>
@@ -5494,6 +5539,13 @@
         </dgm:presLayoutVars>
       </dgm:prSet>
       <dgm:spPr/>
+      <dgm:t>
+        <a:bodyPr/>
+        <a:lstStyle/>
+        <a:p>
+          <a:endParaRPr lang="en-US"/>
+        </a:p>
+      </dgm:t>
     </dgm:pt>
     <dgm:pt modelId="{3B3FEAC4-4769-48D4-B749-EC0AF2843F41}" type="pres">
       <dgm:prSet presAssocID="{0E91CF2F-D875-42CC-B825-76380A712888}" presName="node" presStyleLbl="node1" presStyleIdx="0" presStyleCnt="7">
@@ -5502,6 +5554,13 @@
         </dgm:presLayoutVars>
       </dgm:prSet>
       <dgm:spPr/>
+      <dgm:t>
+        <a:bodyPr/>
+        <a:lstStyle/>
+        <a:p>
+          <a:endParaRPr lang="en-US"/>
+        </a:p>
+      </dgm:t>
     </dgm:pt>
     <dgm:pt modelId="{2210154D-E38B-4D1D-8297-6D78D93EE224}" type="pres">
       <dgm:prSet presAssocID="{3EDD180C-C859-4D0B-8D3A-A71AEC2A20A3}" presName="sibTrans" presStyleCnt="0"/>
@@ -5514,6 +5573,13 @@
         </dgm:presLayoutVars>
       </dgm:prSet>
       <dgm:spPr/>
+      <dgm:t>
+        <a:bodyPr/>
+        <a:lstStyle/>
+        <a:p>
+          <a:endParaRPr lang="en-US"/>
+        </a:p>
+      </dgm:t>
     </dgm:pt>
     <dgm:pt modelId="{7BFAEA66-4132-4D4E-80B6-48B241B96C30}" type="pres">
       <dgm:prSet presAssocID="{50368CB1-F831-4CBF-9A59-405C4F60F549}" presName="sibTrans" presStyleCnt="0"/>
@@ -5526,6 +5592,13 @@
         </dgm:presLayoutVars>
       </dgm:prSet>
       <dgm:spPr/>
+      <dgm:t>
+        <a:bodyPr/>
+        <a:lstStyle/>
+        <a:p>
+          <a:endParaRPr lang="en-US"/>
+        </a:p>
+      </dgm:t>
     </dgm:pt>
     <dgm:pt modelId="{13BE2A23-6B29-492B-8411-02D314195262}" type="pres">
       <dgm:prSet presAssocID="{C9E18AE7-6C64-4D1A-9980-C4E1C3E85881}" presName="sibTrans" presStyleCnt="0"/>
@@ -5538,6 +5611,13 @@
         </dgm:presLayoutVars>
       </dgm:prSet>
       <dgm:spPr/>
+      <dgm:t>
+        <a:bodyPr/>
+        <a:lstStyle/>
+        <a:p>
+          <a:endParaRPr lang="en-US"/>
+        </a:p>
+      </dgm:t>
     </dgm:pt>
     <dgm:pt modelId="{A56F9E2A-CB7E-4084-8109-ADC99E9D51F0}" type="pres">
       <dgm:prSet presAssocID="{68E77C80-B150-4ADE-BDF5-046E10FA21EA}" presName="sibTrans" presStyleCnt="0"/>
@@ -5550,6 +5630,13 @@
         </dgm:presLayoutVars>
       </dgm:prSet>
       <dgm:spPr/>
+      <dgm:t>
+        <a:bodyPr/>
+        <a:lstStyle/>
+        <a:p>
+          <a:endParaRPr lang="en-US"/>
+        </a:p>
+      </dgm:t>
     </dgm:pt>
     <dgm:pt modelId="{328FFABD-B0E3-4470-9DFA-7C673E8FE39E}" type="pres">
       <dgm:prSet presAssocID="{FC4D0046-F6CC-49D6-8DA5-6CAE321D632D}" presName="sibTrans" presStyleCnt="0"/>
@@ -5562,6 +5649,13 @@
         </dgm:presLayoutVars>
       </dgm:prSet>
       <dgm:spPr/>
+      <dgm:t>
+        <a:bodyPr/>
+        <a:lstStyle/>
+        <a:p>
+          <a:endParaRPr lang="en-US"/>
+        </a:p>
+      </dgm:t>
     </dgm:pt>
     <dgm:pt modelId="{4D19BF98-4C49-49B8-96D1-F3A473113FB8}" type="pres">
       <dgm:prSet presAssocID="{9753E323-A210-43B7-9A55-21150014F818}" presName="sibTrans" presStyleCnt="0"/>
@@ -5574,24 +5668,31 @@
         </dgm:presLayoutVars>
       </dgm:prSet>
       <dgm:spPr/>
+      <dgm:t>
+        <a:bodyPr/>
+        <a:lstStyle/>
+        <a:p>
+          <a:endParaRPr lang="en-US"/>
+        </a:p>
+      </dgm:t>
     </dgm:pt>
   </dgm:ptLst>
   <dgm:cxnLst>
+    <dgm:cxn modelId="{44E77E90-4430-4A09-A8F0-3AEDD33CDB9A}" srcId="{2927FB38-3512-40E2-B504-D77A64E13296}" destId="{0E91CF2F-D875-42CC-B825-76380A712888}" srcOrd="0" destOrd="0" parTransId="{1A4C12E3-50B5-4200-847A-EC63D0D2AB7E}" sibTransId="{3EDD180C-C859-4D0B-8D3A-A71AEC2A20A3}"/>
     <dgm:cxn modelId="{0295EE0E-7D3A-48E7-A204-B5D1CFD092C0}" type="presOf" srcId="{87ACD990-04B4-4A55-A76F-041815DFC8A6}" destId="{B56ED1B3-AD12-493A-B779-5705C6E8B046}" srcOrd="0" destOrd="0" presId="urn:microsoft.com/office/officeart/2005/8/layout/default"/>
-    <dgm:cxn modelId="{303E7C17-49AB-4D42-91BC-7A7DA0D968DE}" srcId="{2927FB38-3512-40E2-B504-D77A64E13296}" destId="{C167B42B-8239-47AE-BC37-4DD7822F2368}" srcOrd="1" destOrd="0" parTransId="{A6BF3024-83B9-473F-9CC8-34A2268F637C}" sibTransId="{50368CB1-F831-4CBF-9A59-405C4F60F549}"/>
+    <dgm:cxn modelId="{05D07A24-1763-483E-AA8E-36BABDA45FC8}" type="presOf" srcId="{09A35EA0-3E60-491C-A515-9C4B46B73B7B}" destId="{07146097-D8EB-42A0-82B6-1EEAA90F2445}" srcOrd="0" destOrd="0" presId="urn:microsoft.com/office/officeart/2005/8/layout/default"/>
+    <dgm:cxn modelId="{8F9C39AF-8C5B-439A-BDFF-8D7F720C0269}" srcId="{2927FB38-3512-40E2-B504-D77A64E13296}" destId="{7BCDFECE-EF78-4D3D-B19F-6D1567A9D7F4}" srcOrd="3" destOrd="0" parTransId="{3935CAB4-984A-422D-9E2C-E0A9BF28F450}" sibTransId="{68E77C80-B150-4ADE-BDF5-046E10FA21EA}"/>
     <dgm:cxn modelId="{26A5331A-CDC9-4A7C-A894-7524F940A6D8}" type="presOf" srcId="{0E91CF2F-D875-42CC-B825-76380A712888}" destId="{3B3FEAC4-4769-48D4-B749-EC0AF2843F41}" srcOrd="0" destOrd="0" presId="urn:microsoft.com/office/officeart/2005/8/layout/default"/>
-    <dgm:cxn modelId="{05D07A24-1763-483E-AA8E-36BABDA45FC8}" type="presOf" srcId="{09A35EA0-3E60-491C-A515-9C4B46B73B7B}" destId="{07146097-D8EB-42A0-82B6-1EEAA90F2445}" srcOrd="0" destOrd="0" presId="urn:microsoft.com/office/officeart/2005/8/layout/default"/>
     <dgm:cxn modelId="{21E3A125-4793-49FB-AF9B-9ECC8EA7624F}" srcId="{2927FB38-3512-40E2-B504-D77A64E13296}" destId="{09A35EA0-3E60-491C-A515-9C4B46B73B7B}" srcOrd="4" destOrd="0" parTransId="{FC51EC92-0740-4F3D-8E6F-0FE985C22B22}" sibTransId="{FC4D0046-F6CC-49D6-8DA5-6CAE321D632D}"/>
-    <dgm:cxn modelId="{7A3A9B27-9202-483A-98F4-B0E42AE13272}" type="presOf" srcId="{7BCDFECE-EF78-4D3D-B19F-6D1567A9D7F4}" destId="{91A1C46E-06FC-4233-B1C1-803B20745470}" srcOrd="0" destOrd="0" presId="urn:microsoft.com/office/officeart/2005/8/layout/default"/>
-    <dgm:cxn modelId="{F125943A-0043-4EEB-B30B-3DD7F2F9A0E9}" type="presOf" srcId="{C167B42B-8239-47AE-BC37-4DD7822F2368}" destId="{979AEEEC-7724-4C98-A03C-FCE9E240B2C6}" srcOrd="0" destOrd="0" presId="urn:microsoft.com/office/officeart/2005/8/layout/default"/>
     <dgm:cxn modelId="{33A0CC3E-77C7-491F-BF2E-BAFE507DAC16}" type="presOf" srcId="{8DE54F51-2596-4DBE-A64A-78B5BFC95EDA}" destId="{4B2F1BE1-7D7B-402D-884D-95B20B0E65DF}" srcOrd="0" destOrd="0" presId="urn:microsoft.com/office/officeart/2005/8/layout/default"/>
     <dgm:cxn modelId="{A062517B-BEDB-40A6-8232-791F450E065E}" srcId="{2927FB38-3512-40E2-B504-D77A64E13296}" destId="{D76AE78C-424D-4C80-BEA8-592D6F5F1B35}" srcOrd="2" destOrd="0" parTransId="{7D85F4A9-565A-478E-84BA-7713826D9B2C}" sibTransId="{C9E18AE7-6C64-4D1A-9980-C4E1C3E85881}"/>
-    <dgm:cxn modelId="{44E77E90-4430-4A09-A8F0-3AEDD33CDB9A}" srcId="{2927FB38-3512-40E2-B504-D77A64E13296}" destId="{0E91CF2F-D875-42CC-B825-76380A712888}" srcOrd="0" destOrd="0" parTransId="{1A4C12E3-50B5-4200-847A-EC63D0D2AB7E}" sibTransId="{3EDD180C-C859-4D0B-8D3A-A71AEC2A20A3}"/>
+    <dgm:cxn modelId="{F125943A-0043-4EEB-B30B-3DD7F2F9A0E9}" type="presOf" srcId="{C167B42B-8239-47AE-BC37-4DD7822F2368}" destId="{979AEEEC-7724-4C98-A03C-FCE9E240B2C6}" srcOrd="0" destOrd="0" presId="urn:microsoft.com/office/officeart/2005/8/layout/default"/>
+    <dgm:cxn modelId="{7FE1A1D5-57B6-4DDF-9A2A-E672D73DB385}" type="presOf" srcId="{D76AE78C-424D-4C80-BEA8-592D6F5F1B35}" destId="{8FF795FB-0350-4C79-9B38-BEB6DEE8C250}" srcOrd="0" destOrd="0" presId="urn:microsoft.com/office/officeart/2005/8/layout/default"/>
+    <dgm:cxn modelId="{E2A5C0C8-8F2C-44BF-A8D3-50F1C5BF6395}" type="presOf" srcId="{2927FB38-3512-40E2-B504-D77A64E13296}" destId="{7731FC45-56C6-482F-9554-BB272BA8736E}" srcOrd="0" destOrd="0" presId="urn:microsoft.com/office/officeart/2005/8/layout/default"/>
     <dgm:cxn modelId="{0B742F96-0AB9-4869-BC6D-800E14629068}" srcId="{2927FB38-3512-40E2-B504-D77A64E13296}" destId="{87ACD990-04B4-4A55-A76F-041815DFC8A6}" srcOrd="6" destOrd="0" parTransId="{A913D357-7217-4E3E-B18B-278C8E162F5B}" sibTransId="{0847D87A-A01A-473E-8403-9BBACECA85DC}"/>
     <dgm:cxn modelId="{04B4079D-AA2A-4B94-A101-5187B54133F1}" srcId="{2927FB38-3512-40E2-B504-D77A64E13296}" destId="{8DE54F51-2596-4DBE-A64A-78B5BFC95EDA}" srcOrd="5" destOrd="0" parTransId="{606351A0-399D-4D64-85CB-7E1725E22DA9}" sibTransId="{9753E323-A210-43B7-9A55-21150014F818}"/>
-    <dgm:cxn modelId="{8F9C39AF-8C5B-439A-BDFF-8D7F720C0269}" srcId="{2927FB38-3512-40E2-B504-D77A64E13296}" destId="{7BCDFECE-EF78-4D3D-B19F-6D1567A9D7F4}" srcOrd="3" destOrd="0" parTransId="{3935CAB4-984A-422D-9E2C-E0A9BF28F450}" sibTransId="{68E77C80-B150-4ADE-BDF5-046E10FA21EA}"/>
-    <dgm:cxn modelId="{E2A5C0C8-8F2C-44BF-A8D3-50F1C5BF6395}" type="presOf" srcId="{2927FB38-3512-40E2-B504-D77A64E13296}" destId="{7731FC45-56C6-482F-9554-BB272BA8736E}" srcOrd="0" destOrd="0" presId="urn:microsoft.com/office/officeart/2005/8/layout/default"/>
-    <dgm:cxn modelId="{7FE1A1D5-57B6-4DDF-9A2A-E672D73DB385}" type="presOf" srcId="{D76AE78C-424D-4C80-BEA8-592D6F5F1B35}" destId="{8FF795FB-0350-4C79-9B38-BEB6DEE8C250}" srcOrd="0" destOrd="0" presId="urn:microsoft.com/office/officeart/2005/8/layout/default"/>
+    <dgm:cxn modelId="{303E7C17-49AB-4D42-91BC-7A7DA0D968DE}" srcId="{2927FB38-3512-40E2-B504-D77A64E13296}" destId="{C167B42B-8239-47AE-BC37-4DD7822F2368}" srcOrd="1" destOrd="0" parTransId="{A6BF3024-83B9-473F-9CC8-34A2268F637C}" sibTransId="{50368CB1-F831-4CBF-9A59-405C4F60F549}"/>
+    <dgm:cxn modelId="{7A3A9B27-9202-483A-98F4-B0E42AE13272}" type="presOf" srcId="{7BCDFECE-EF78-4D3D-B19F-6D1567A9D7F4}" destId="{91A1C46E-06FC-4233-B1C1-803B20745470}" srcOrd="0" destOrd="0" presId="urn:microsoft.com/office/officeart/2005/8/layout/default"/>
     <dgm:cxn modelId="{60062805-872F-4406-B34A-B67AA4CB2990}" type="presParOf" srcId="{7731FC45-56C6-482F-9554-BB272BA8736E}" destId="{3B3FEAC4-4769-48D4-B749-EC0AF2843F41}" srcOrd="0" destOrd="0" presId="urn:microsoft.com/office/officeart/2005/8/layout/default"/>
     <dgm:cxn modelId="{BC7360B4-1BC4-4BA6-86C8-462EA71236B5}" type="presParOf" srcId="{7731FC45-56C6-482F-9554-BB272BA8736E}" destId="{2210154D-E38B-4D1D-8297-6D78D93EE224}" srcOrd="1" destOrd="0" presId="urn:microsoft.com/office/officeart/2005/8/layout/default"/>
     <dgm:cxn modelId="{C5958393-6355-496A-87F9-55CEB6598943}" type="presParOf" srcId="{7731FC45-56C6-482F-9554-BB272BA8736E}" destId="{979AEEEC-7724-4C98-A03C-FCE9E240B2C6}" srcOrd="2" destOrd="0" presId="urn:microsoft.com/office/officeart/2005/8/layout/default"/>
@@ -5747,6 +5848,13 @@
         </dgm:presLayoutVars>
       </dgm:prSet>
       <dgm:spPr/>
+      <dgm:t>
+        <a:bodyPr/>
+        <a:lstStyle/>
+        <a:p>
+          <a:endParaRPr lang="en-US"/>
+        </a:p>
+      </dgm:t>
     </dgm:pt>
     <dgm:pt modelId="{81A00C04-77AE-41CF-8549-0D40E875C891}" type="pres">
       <dgm:prSet presAssocID="{08029EE8-D6CA-466E-94E0-0D5D5ABDDCEA}" presName="dummyMaxCanvas" presStyleCnt="0">
@@ -5761,6 +5869,13 @@
         </dgm:presLayoutVars>
       </dgm:prSet>
       <dgm:spPr/>
+      <dgm:t>
+        <a:bodyPr/>
+        <a:lstStyle/>
+        <a:p>
+          <a:endParaRPr lang="en-US"/>
+        </a:p>
+      </dgm:t>
     </dgm:pt>
     <dgm:pt modelId="{A72F0F18-684D-4039-A149-613623BF8699}" type="pres">
       <dgm:prSet presAssocID="{08029EE8-D6CA-466E-94E0-0D5D5ABDDCEA}" presName="ThreeNodes_2" presStyleLbl="node1" presStyleIdx="1" presStyleCnt="3">
@@ -5769,6 +5884,13 @@
         </dgm:presLayoutVars>
       </dgm:prSet>
       <dgm:spPr/>
+      <dgm:t>
+        <a:bodyPr/>
+        <a:lstStyle/>
+        <a:p>
+          <a:endParaRPr lang="en-US"/>
+        </a:p>
+      </dgm:t>
     </dgm:pt>
     <dgm:pt modelId="{23524776-2850-43A4-9B81-5842048A95C9}" type="pres">
       <dgm:prSet presAssocID="{08029EE8-D6CA-466E-94E0-0D5D5ABDDCEA}" presName="ThreeNodes_3" presStyleLbl="node1" presStyleIdx="2" presStyleCnt="3">
@@ -5777,6 +5899,13 @@
         </dgm:presLayoutVars>
       </dgm:prSet>
       <dgm:spPr/>
+      <dgm:t>
+        <a:bodyPr/>
+        <a:lstStyle/>
+        <a:p>
+          <a:endParaRPr lang="en-US"/>
+        </a:p>
+      </dgm:t>
     </dgm:pt>
     <dgm:pt modelId="{86672B97-46AF-44A4-89A7-6EDE1A723E1E}" type="pres">
       <dgm:prSet presAssocID="{08029EE8-D6CA-466E-94E0-0D5D5ABDDCEA}" presName="ThreeConn_1-2" presStyleLbl="fgAccFollowNode1" presStyleIdx="0" presStyleCnt="2">
@@ -5785,6 +5914,13 @@
         </dgm:presLayoutVars>
       </dgm:prSet>
       <dgm:spPr/>
+      <dgm:t>
+        <a:bodyPr/>
+        <a:lstStyle/>
+        <a:p>
+          <a:endParaRPr lang="en-US"/>
+        </a:p>
+      </dgm:t>
     </dgm:pt>
     <dgm:pt modelId="{860D47CD-73C9-4BA1-9100-7D94E9F3914B}" type="pres">
       <dgm:prSet presAssocID="{08029EE8-D6CA-466E-94E0-0D5D5ABDDCEA}" presName="ThreeConn_2-3" presStyleLbl="fgAccFollowNode1" presStyleIdx="1" presStyleCnt="2">
@@ -5793,6 +5929,13 @@
         </dgm:presLayoutVars>
       </dgm:prSet>
       <dgm:spPr/>
+      <dgm:t>
+        <a:bodyPr/>
+        <a:lstStyle/>
+        <a:p>
+          <a:endParaRPr lang="en-US"/>
+        </a:p>
+      </dgm:t>
     </dgm:pt>
     <dgm:pt modelId="{159C8D1C-9256-4F45-A6E3-8D590926EF99}" type="pres">
       <dgm:prSet presAssocID="{08029EE8-D6CA-466E-94E0-0D5D5ABDDCEA}" presName="ThreeNodes_1_text" presStyleLbl="node1" presStyleIdx="2" presStyleCnt="3">
@@ -5801,6 +5944,13 @@
         </dgm:presLayoutVars>
       </dgm:prSet>
       <dgm:spPr/>
+      <dgm:t>
+        <a:bodyPr/>
+        <a:lstStyle/>
+        <a:p>
+          <a:endParaRPr lang="en-US"/>
+        </a:p>
+      </dgm:t>
     </dgm:pt>
     <dgm:pt modelId="{DCB71BB4-F152-4A7E-9270-E47E289A45E9}" type="pres">
       <dgm:prSet presAssocID="{08029EE8-D6CA-466E-94E0-0D5D5ABDDCEA}" presName="ThreeNodes_2_text" presStyleLbl="node1" presStyleIdx="2" presStyleCnt="3">
@@ -5809,6 +5959,13 @@
         </dgm:presLayoutVars>
       </dgm:prSet>
       <dgm:spPr/>
+      <dgm:t>
+        <a:bodyPr/>
+        <a:lstStyle/>
+        <a:p>
+          <a:endParaRPr lang="en-US"/>
+        </a:p>
+      </dgm:t>
     </dgm:pt>
     <dgm:pt modelId="{498AF47A-1695-4A69-9D6D-19C77BABB1FF}" type="pres">
       <dgm:prSet presAssocID="{08029EE8-D6CA-466E-94E0-0D5D5ABDDCEA}" presName="ThreeNodes_3_text" presStyleLbl="node1" presStyleIdx="2" presStyleCnt="3">
@@ -5817,21 +5974,28 @@
         </dgm:presLayoutVars>
       </dgm:prSet>
       <dgm:spPr/>
+      <dgm:t>
+        <a:bodyPr/>
+        <a:lstStyle/>
+        <a:p>
+          <a:endParaRPr lang="en-US"/>
+        </a:p>
+      </dgm:t>
     </dgm:pt>
   </dgm:ptLst>
   <dgm:cxnLst>
-    <dgm:cxn modelId="{717A860F-8D8E-40A3-B654-5D88BE4F96AF}" type="presOf" srcId="{4328DB94-0EDE-4A95-9A08-AD8C0D5D4019}" destId="{080858EE-0F87-46DE-B3B3-B9614DB9467F}" srcOrd="0" destOrd="0" presId="urn:microsoft.com/office/officeart/2005/8/layout/vProcess5"/>
-    <dgm:cxn modelId="{4CE69F1E-2844-4243-81B2-94DDD722FC38}" type="presOf" srcId="{2BC43597-F7B9-4DC5-9C48-2459D73C88AE}" destId="{860D47CD-73C9-4BA1-9100-7D94E9F3914B}" srcOrd="0" destOrd="0" presId="urn:microsoft.com/office/officeart/2005/8/layout/vProcess5"/>
-    <dgm:cxn modelId="{D18FF64C-C552-430C-B80E-8EEA6C1300EA}" type="presOf" srcId="{19122AC4-40F2-45C4-B1EE-02073F18BEE4}" destId="{498AF47A-1695-4A69-9D6D-19C77BABB1FF}" srcOrd="1" destOrd="0" presId="urn:microsoft.com/office/officeart/2005/8/layout/vProcess5"/>
+    <dgm:cxn modelId="{58913B9F-ACCA-4E6C-82D6-DE980DF65B1F}" srcId="{08029EE8-D6CA-466E-94E0-0D5D5ABDDCEA}" destId="{4328DB94-0EDE-4A95-9A08-AD8C0D5D4019}" srcOrd="0" destOrd="0" parTransId="{635E03D5-491A-48AA-A6AF-89DA98F665B5}" sibTransId="{A0697B60-39D9-4A2A-8401-9106FE106357}"/>
     <dgm:cxn modelId="{D4573451-926A-4377-97E9-9B15BAE45876}" type="presOf" srcId="{226CB1F6-A36A-449C-8DD5-67A9633C74C9}" destId="{DCB71BB4-F152-4A7E-9270-E47E289A45E9}" srcOrd="1" destOrd="0" presId="urn:microsoft.com/office/officeart/2005/8/layout/vProcess5"/>
     <dgm:cxn modelId="{0109248A-BFCE-40EF-987E-F88F2DE57581}" srcId="{08029EE8-D6CA-466E-94E0-0D5D5ABDDCEA}" destId="{19122AC4-40F2-45C4-B1EE-02073F18BEE4}" srcOrd="2" destOrd="0" parTransId="{CCFF1C35-85F9-4F92-B149-361A036C195A}" sibTransId="{56E094E4-C843-4F5D-BF62-5A02FE80A5E8}"/>
-    <dgm:cxn modelId="{58913B9F-ACCA-4E6C-82D6-DE980DF65B1F}" srcId="{08029EE8-D6CA-466E-94E0-0D5D5ABDDCEA}" destId="{4328DB94-0EDE-4A95-9A08-AD8C0D5D4019}" srcOrd="0" destOrd="0" parTransId="{635E03D5-491A-48AA-A6AF-89DA98F665B5}" sibTransId="{A0697B60-39D9-4A2A-8401-9106FE106357}"/>
+    <dgm:cxn modelId="{717A860F-8D8E-40A3-B654-5D88BE4F96AF}" type="presOf" srcId="{4328DB94-0EDE-4A95-9A08-AD8C0D5D4019}" destId="{080858EE-0F87-46DE-B3B3-B9614DB9467F}" srcOrd="0" destOrd="0" presId="urn:microsoft.com/office/officeart/2005/8/layout/vProcess5"/>
+    <dgm:cxn modelId="{891EBEAD-2AF3-482E-8FF6-4356FDFABD70}" type="presOf" srcId="{08029EE8-D6CA-466E-94E0-0D5D5ABDDCEA}" destId="{E8563247-0C6C-4AD4-9A79-15DD69CBDFD7}" srcOrd="0" destOrd="0" presId="urn:microsoft.com/office/officeart/2005/8/layout/vProcess5"/>
+    <dgm:cxn modelId="{4CE69F1E-2844-4243-81B2-94DDD722FC38}" type="presOf" srcId="{2BC43597-F7B9-4DC5-9C48-2459D73C88AE}" destId="{860D47CD-73C9-4BA1-9100-7D94E9F3914B}" srcOrd="0" destOrd="0" presId="urn:microsoft.com/office/officeart/2005/8/layout/vProcess5"/>
+    <dgm:cxn modelId="{313D0CF2-1D4E-4B79-B4BD-C3B49EB1D9D5}" type="presOf" srcId="{4328DB94-0EDE-4A95-9A08-AD8C0D5D4019}" destId="{159C8D1C-9256-4F45-A6E3-8D590926EF99}" srcOrd="1" destOrd="0" presId="urn:microsoft.com/office/officeart/2005/8/layout/vProcess5"/>
+    <dgm:cxn modelId="{0ADF2CA5-B7AD-4922-A7AD-A488CD5844C9}" type="presOf" srcId="{A0697B60-39D9-4A2A-8401-9106FE106357}" destId="{86672B97-46AF-44A4-89A7-6EDE1A723E1E}" srcOrd="0" destOrd="0" presId="urn:microsoft.com/office/officeart/2005/8/layout/vProcess5"/>
+    <dgm:cxn modelId="{D18FF64C-C552-430C-B80E-8EEA6C1300EA}" type="presOf" srcId="{19122AC4-40F2-45C4-B1EE-02073F18BEE4}" destId="{498AF47A-1695-4A69-9D6D-19C77BABB1FF}" srcOrd="1" destOrd="0" presId="urn:microsoft.com/office/officeart/2005/8/layout/vProcess5"/>
     <dgm:cxn modelId="{3158D6A2-6DAF-4842-AFF1-2AB790EAEE92}" srcId="{08029EE8-D6CA-466E-94E0-0D5D5ABDDCEA}" destId="{226CB1F6-A36A-449C-8DD5-67A9633C74C9}" srcOrd="1" destOrd="0" parTransId="{9DCB8970-1961-4AA0-8E42-B3A994D2D0F0}" sibTransId="{2BC43597-F7B9-4DC5-9C48-2459D73C88AE}"/>
-    <dgm:cxn modelId="{0ADF2CA5-B7AD-4922-A7AD-A488CD5844C9}" type="presOf" srcId="{A0697B60-39D9-4A2A-8401-9106FE106357}" destId="{86672B97-46AF-44A4-89A7-6EDE1A723E1E}" srcOrd="0" destOrd="0" presId="urn:microsoft.com/office/officeart/2005/8/layout/vProcess5"/>
-    <dgm:cxn modelId="{891EBEAD-2AF3-482E-8FF6-4356FDFABD70}" type="presOf" srcId="{08029EE8-D6CA-466E-94E0-0D5D5ABDDCEA}" destId="{E8563247-0C6C-4AD4-9A79-15DD69CBDFD7}" srcOrd="0" destOrd="0" presId="urn:microsoft.com/office/officeart/2005/8/layout/vProcess5"/>
+    <dgm:cxn modelId="{3BD02FF5-F7E9-4887-8185-6560D9979282}" type="presOf" srcId="{19122AC4-40F2-45C4-B1EE-02073F18BEE4}" destId="{23524776-2850-43A4-9B81-5842048A95C9}" srcOrd="0" destOrd="0" presId="urn:microsoft.com/office/officeart/2005/8/layout/vProcess5"/>
     <dgm:cxn modelId="{170F9CDA-3341-4E84-A5CC-EBBA5185B87B}" type="presOf" srcId="{226CB1F6-A36A-449C-8DD5-67A9633C74C9}" destId="{A72F0F18-684D-4039-A149-613623BF8699}" srcOrd="0" destOrd="0" presId="urn:microsoft.com/office/officeart/2005/8/layout/vProcess5"/>
-    <dgm:cxn modelId="{313D0CF2-1D4E-4B79-B4BD-C3B49EB1D9D5}" type="presOf" srcId="{4328DB94-0EDE-4A95-9A08-AD8C0D5D4019}" destId="{159C8D1C-9256-4F45-A6E3-8D590926EF99}" srcOrd="1" destOrd="0" presId="urn:microsoft.com/office/officeart/2005/8/layout/vProcess5"/>
-    <dgm:cxn modelId="{3BD02FF5-F7E9-4887-8185-6560D9979282}" type="presOf" srcId="{19122AC4-40F2-45C4-B1EE-02073F18BEE4}" destId="{23524776-2850-43A4-9B81-5842048A95C9}" srcOrd="0" destOrd="0" presId="urn:microsoft.com/office/officeart/2005/8/layout/vProcess5"/>
     <dgm:cxn modelId="{A3E5C8DE-D8C2-498A-AC27-4189DB8D6D72}" type="presParOf" srcId="{E8563247-0C6C-4AD4-9A79-15DD69CBDFD7}" destId="{81A00C04-77AE-41CF-8549-0D40E875C891}" srcOrd="0" destOrd="0" presId="urn:microsoft.com/office/officeart/2005/8/layout/vProcess5"/>
     <dgm:cxn modelId="{858128E9-4EDA-43C1-BB04-AA578A739107}" type="presParOf" srcId="{E8563247-0C6C-4AD4-9A79-15DD69CBDFD7}" destId="{080858EE-0F87-46DE-B3B3-B9614DB9467F}" srcOrd="1" destOrd="0" presId="urn:microsoft.com/office/officeart/2005/8/layout/vProcess5"/>
     <dgm:cxn modelId="{5B859FBE-D6E1-4829-9E84-39A471E3B4EC}" type="presParOf" srcId="{E8563247-0C6C-4AD4-9A79-15DD69CBDFD7}" destId="{A72F0F18-684D-4039-A149-613623BF8699}" srcOrd="2" destOrd="0" presId="urn:microsoft.com/office/officeart/2005/8/layout/vProcess5"/>
@@ -6055,6 +6219,13 @@
         </dgm:presLayoutVars>
       </dgm:prSet>
       <dgm:spPr/>
+      <dgm:t>
+        <a:bodyPr/>
+        <a:lstStyle/>
+        <a:p>
+          <a:endParaRPr lang="en-US"/>
+        </a:p>
+      </dgm:t>
     </dgm:pt>
     <dgm:pt modelId="{5902BC1A-1D96-4C46-8CAD-AA1E325F2AC9}" type="pres">
       <dgm:prSet presAssocID="{9CADE9C9-4483-4A0B-BEE4-1015F894BCD5}" presName="composite" presStyleCnt="0"/>
@@ -6069,6 +6240,13 @@
         </dgm:presLayoutVars>
       </dgm:prSet>
       <dgm:spPr/>
+      <dgm:t>
+        <a:bodyPr/>
+        <a:lstStyle/>
+        <a:p>
+          <a:endParaRPr lang="en-US"/>
+        </a:p>
+      </dgm:t>
     </dgm:pt>
     <dgm:pt modelId="{699A3CA9-3E93-4F5E-A43C-372CE50675C7}" type="pres">
       <dgm:prSet presAssocID="{9CADE9C9-4483-4A0B-BEE4-1015F894BCD5}" presName="desTx" presStyleLbl="alignAccFollowNode1" presStyleIdx="0" presStyleCnt="2">
@@ -6077,6 +6255,13 @@
         </dgm:presLayoutVars>
       </dgm:prSet>
       <dgm:spPr/>
+      <dgm:t>
+        <a:bodyPr/>
+        <a:lstStyle/>
+        <a:p>
+          <a:endParaRPr lang="en-US"/>
+        </a:p>
+      </dgm:t>
     </dgm:pt>
     <dgm:pt modelId="{0AE0CF16-DA22-4092-9AFD-4FCE7386485F}" type="pres">
       <dgm:prSet presAssocID="{495E012C-F858-473A-A964-3F99C4689FE7}" presName="space" presStyleCnt="0"/>
@@ -6095,6 +6280,13 @@
         </dgm:presLayoutVars>
       </dgm:prSet>
       <dgm:spPr/>
+      <dgm:t>
+        <a:bodyPr/>
+        <a:lstStyle/>
+        <a:p>
+          <a:endParaRPr lang="en-US"/>
+        </a:p>
+      </dgm:t>
     </dgm:pt>
     <dgm:pt modelId="{C00B4D9A-E522-402C-824F-4CD3BBF421D6}" type="pres">
       <dgm:prSet presAssocID="{9C1D0DB1-25A1-4B34-B4AD-0CF44BDBB724}" presName="desTx" presStyleLbl="alignAccFollowNode1" presStyleIdx="1" presStyleCnt="2">
@@ -6103,20 +6295,27 @@
         </dgm:presLayoutVars>
       </dgm:prSet>
       <dgm:spPr/>
+      <dgm:t>
+        <a:bodyPr/>
+        <a:lstStyle/>
+        <a:p>
+          <a:endParaRPr lang="en-US"/>
+        </a:p>
+      </dgm:t>
     </dgm:pt>
   </dgm:ptLst>
   <dgm:cxnLst>
     <dgm:cxn modelId="{BD5BFA0F-B823-4BFE-9AD3-3B37268709B7}" srcId="{9CADE9C9-4483-4A0B-BEE4-1015F894BCD5}" destId="{9EF92CE2-359F-4ABC-873E-6FB534A611E0}" srcOrd="1" destOrd="0" parTransId="{ECBCC590-4CD2-4F5C-BC4F-5344DF9E01CC}" sibTransId="{8E8447D3-8C6C-41DE-8C0D-43792CA20938}"/>
+    <dgm:cxn modelId="{CA3FF689-5E4C-4857-BCB4-0D83C4742D08}" srcId="{64CAD993-1BCF-488E-A99E-7284F04DCEFF}" destId="{9C1D0DB1-25A1-4B34-B4AD-0CF44BDBB724}" srcOrd="1" destOrd="0" parTransId="{717C069D-0406-48FF-AE81-DC852F9C20BB}" sibTransId="{CBA962A6-B7AA-4CE9-9AB3-7BC9FF7FD4AD}"/>
     <dgm:cxn modelId="{3254113D-8D9E-4267-A152-A2275F485754}" srcId="{64CAD993-1BCF-488E-A99E-7284F04DCEFF}" destId="{9CADE9C9-4483-4A0B-BEE4-1015F894BCD5}" srcOrd="0" destOrd="0" parTransId="{C27927B4-D940-492F-B21A-C23E9B77737F}" sibTransId="{495E012C-F858-473A-A964-3F99C4689FE7}"/>
+    <dgm:cxn modelId="{7BB58943-A3AA-4F4D-B58C-586AE83D0DF9}" type="presOf" srcId="{74E84A61-DC98-424F-BE29-49549B97C862}" destId="{C00B4D9A-E522-402C-824F-4CD3BBF421D6}" srcOrd="0" destOrd="0" presId="urn:microsoft.com/office/officeart/2005/8/layout/hList1"/>
+    <dgm:cxn modelId="{35A16F61-F571-4C7B-8DE3-B4F819B7CB4E}" type="presOf" srcId="{9CADE9C9-4483-4A0B-BEE4-1015F894BCD5}" destId="{9856E996-C273-4BE4-9A1E-3E43F5CCD420}" srcOrd="0" destOrd="0" presId="urn:microsoft.com/office/officeart/2005/8/layout/hList1"/>
+    <dgm:cxn modelId="{137ED074-2A6B-459A-86C8-7BDB4C92C096}" type="presOf" srcId="{43338589-E927-4C6A-979F-6CD57809F58E}" destId="{699A3CA9-3E93-4F5E-A43C-372CE50675C7}" srcOrd="0" destOrd="0" presId="urn:microsoft.com/office/officeart/2005/8/layout/hList1"/>
+    <dgm:cxn modelId="{C4C34372-996E-4BD8-8EF8-D2B0F0F860A8}" srcId="{9C1D0DB1-25A1-4B34-B4AD-0CF44BDBB724}" destId="{74E84A61-DC98-424F-BE29-49549B97C862}" srcOrd="0" destOrd="0" parTransId="{E17D97E5-9E3E-47BA-AB05-45A59FAFCA53}" sibTransId="{F8698E53-05A8-4001-9979-EF4455057D0C}"/>
     <dgm:cxn modelId="{B16F9C5F-88AD-4A6D-BB83-D0BA9521A788}" type="presOf" srcId="{9C1D0DB1-25A1-4B34-B4AD-0CF44BDBB724}" destId="{E502C74C-6A98-4FA6-8D85-5F7A217A070B}" srcOrd="0" destOrd="0" presId="urn:microsoft.com/office/officeart/2005/8/layout/hList1"/>
-    <dgm:cxn modelId="{35A16F61-F571-4C7B-8DE3-B4F819B7CB4E}" type="presOf" srcId="{9CADE9C9-4483-4A0B-BEE4-1015F894BCD5}" destId="{9856E996-C273-4BE4-9A1E-3E43F5CCD420}" srcOrd="0" destOrd="0" presId="urn:microsoft.com/office/officeart/2005/8/layout/hList1"/>
-    <dgm:cxn modelId="{7BB58943-A3AA-4F4D-B58C-586AE83D0DF9}" type="presOf" srcId="{74E84A61-DC98-424F-BE29-49549B97C862}" destId="{C00B4D9A-E522-402C-824F-4CD3BBF421D6}" srcOrd="0" destOrd="0" presId="urn:microsoft.com/office/officeart/2005/8/layout/hList1"/>
-    <dgm:cxn modelId="{C4C34372-996E-4BD8-8EF8-D2B0F0F860A8}" srcId="{9C1D0DB1-25A1-4B34-B4AD-0CF44BDBB724}" destId="{74E84A61-DC98-424F-BE29-49549B97C862}" srcOrd="0" destOrd="0" parTransId="{E17D97E5-9E3E-47BA-AB05-45A59FAFCA53}" sibTransId="{F8698E53-05A8-4001-9979-EF4455057D0C}"/>
-    <dgm:cxn modelId="{137ED074-2A6B-459A-86C8-7BDB4C92C096}" type="presOf" srcId="{43338589-E927-4C6A-979F-6CD57809F58E}" destId="{699A3CA9-3E93-4F5E-A43C-372CE50675C7}" srcOrd="0" destOrd="0" presId="urn:microsoft.com/office/officeart/2005/8/layout/hList1"/>
-    <dgm:cxn modelId="{11180484-CCC1-4DC6-A2F5-E20610AB1DF1}" srcId="{9CADE9C9-4483-4A0B-BEE4-1015F894BCD5}" destId="{43338589-E927-4C6A-979F-6CD57809F58E}" srcOrd="0" destOrd="0" parTransId="{86338CFE-5E1E-4432-A8B7-E6177D799008}" sibTransId="{0AFB69BC-83DF-40E0-B1C0-C286A70D0428}"/>
-    <dgm:cxn modelId="{CA3FF689-5E4C-4857-BCB4-0D83C4742D08}" srcId="{64CAD993-1BCF-488E-A99E-7284F04DCEFF}" destId="{9C1D0DB1-25A1-4B34-B4AD-0CF44BDBB724}" srcOrd="1" destOrd="0" parTransId="{717C069D-0406-48FF-AE81-DC852F9C20BB}" sibTransId="{CBA962A6-B7AA-4CE9-9AB3-7BC9FF7FD4AD}"/>
     <dgm:cxn modelId="{965C8B8B-9ED6-4BA3-8272-FA421852AA67}" type="presOf" srcId="{9EF92CE2-359F-4ABC-873E-6FB534A611E0}" destId="{699A3CA9-3E93-4F5E-A43C-372CE50675C7}" srcOrd="0" destOrd="1" presId="urn:microsoft.com/office/officeart/2005/8/layout/hList1"/>
     <dgm:cxn modelId="{C2EDCADA-FC37-49CF-84CB-0DC0E5E3B419}" type="presOf" srcId="{64CAD993-1BCF-488E-A99E-7284F04DCEFF}" destId="{2EE1F90E-237D-481C-AE67-1F466FC8B0FC}" srcOrd="0" destOrd="0" presId="urn:microsoft.com/office/officeart/2005/8/layout/hList1"/>
+    <dgm:cxn modelId="{11180484-CCC1-4DC6-A2F5-E20610AB1DF1}" srcId="{9CADE9C9-4483-4A0B-BEE4-1015F894BCD5}" destId="{43338589-E927-4C6A-979F-6CD57809F58E}" srcOrd="0" destOrd="0" parTransId="{86338CFE-5E1E-4432-A8B7-E6177D799008}" sibTransId="{0AFB69BC-83DF-40E0-B1C0-C286A70D0428}"/>
     <dgm:cxn modelId="{647271C7-6D2E-458C-8E8B-B50A926EF4C0}" type="presParOf" srcId="{2EE1F90E-237D-481C-AE67-1F466FC8B0FC}" destId="{5902BC1A-1D96-4C46-8CAD-AA1E325F2AC9}" srcOrd="0" destOrd="0" presId="urn:microsoft.com/office/officeart/2005/8/layout/hList1"/>
     <dgm:cxn modelId="{67E0EBE3-7FF2-48FD-B0D1-128747234C7C}" type="presParOf" srcId="{5902BC1A-1D96-4C46-8CAD-AA1E325F2AC9}" destId="{9856E996-C273-4BE4-9A1E-3E43F5CCD420}" srcOrd="0" destOrd="0" presId="urn:microsoft.com/office/officeart/2005/8/layout/hList1"/>
     <dgm:cxn modelId="{15A6AB6B-BD65-4523-A9EB-3CB85DA57D48}" type="presParOf" srcId="{5902BC1A-1D96-4C46-8CAD-AA1E325F2AC9}" destId="{699A3CA9-3E93-4F5E-A43C-372CE50675C7}" srcOrd="1" destOrd="0" presId="urn:microsoft.com/office/officeart/2005/8/layout/hList1"/>
@@ -6590,6 +6789,13 @@
         </dgm:presLayoutVars>
       </dgm:prSet>
       <dgm:spPr/>
+      <dgm:t>
+        <a:bodyPr/>
+        <a:lstStyle/>
+        <a:p>
+          <a:endParaRPr lang="en-US"/>
+        </a:p>
+      </dgm:t>
     </dgm:pt>
     <dgm:pt modelId="{1BC1FD7F-7124-4C08-831B-12EC1C4C344B}" type="pres">
       <dgm:prSet presAssocID="{A6934BEF-EF20-4FD0-BEA6-914F1FD1C7C0}" presName="linNode" presStyleCnt="0"/>
@@ -6603,6 +6809,13 @@
         </dgm:presLayoutVars>
       </dgm:prSet>
       <dgm:spPr/>
+      <dgm:t>
+        <a:bodyPr/>
+        <a:lstStyle/>
+        <a:p>
+          <a:endParaRPr lang="en-US"/>
+        </a:p>
+      </dgm:t>
     </dgm:pt>
     <dgm:pt modelId="{D28206AC-B935-4157-99A4-C247686FED65}" type="pres">
       <dgm:prSet presAssocID="{A6934BEF-EF20-4FD0-BEA6-914F1FD1C7C0}" presName="descendantText" presStyleLbl="alignAccFollowNode1" presStyleIdx="0" presStyleCnt="6">
@@ -6611,6 +6824,13 @@
         </dgm:presLayoutVars>
       </dgm:prSet>
       <dgm:spPr/>
+      <dgm:t>
+        <a:bodyPr/>
+        <a:lstStyle/>
+        <a:p>
+          <a:endParaRPr lang="en-US"/>
+        </a:p>
+      </dgm:t>
     </dgm:pt>
     <dgm:pt modelId="{BF53B6B5-4FA4-4788-997E-12C898A54940}" type="pres">
       <dgm:prSet presAssocID="{88C75DB8-1CD7-422E-B9AC-796EC250B400}" presName="sp" presStyleCnt="0"/>
@@ -6628,6 +6848,13 @@
         </dgm:presLayoutVars>
       </dgm:prSet>
       <dgm:spPr/>
+      <dgm:t>
+        <a:bodyPr/>
+        <a:lstStyle/>
+        <a:p>
+          <a:endParaRPr lang="en-US"/>
+        </a:p>
+      </dgm:t>
     </dgm:pt>
     <dgm:pt modelId="{D8337C47-F0E0-45BA-9654-81D6734E3511}" type="pres">
       <dgm:prSet presAssocID="{6838D8B8-3E83-4571-8C58-6E652BA54B2F}" presName="descendantText" presStyleLbl="alignAccFollowNode1" presStyleIdx="1" presStyleCnt="6">
@@ -6636,6 +6863,13 @@
         </dgm:presLayoutVars>
       </dgm:prSet>
       <dgm:spPr/>
+      <dgm:t>
+        <a:bodyPr/>
+        <a:lstStyle/>
+        <a:p>
+          <a:endParaRPr lang="en-US"/>
+        </a:p>
+      </dgm:t>
     </dgm:pt>
     <dgm:pt modelId="{60F64971-6E60-4557-A4C8-67B360BE835D}" type="pres">
       <dgm:prSet presAssocID="{1285F841-ADD2-44E6-9403-A1A8735502F6}" presName="sp" presStyleCnt="0"/>
@@ -6653,6 +6887,13 @@
         </dgm:presLayoutVars>
       </dgm:prSet>
       <dgm:spPr/>
+      <dgm:t>
+        <a:bodyPr/>
+        <a:lstStyle/>
+        <a:p>
+          <a:endParaRPr lang="en-US"/>
+        </a:p>
+      </dgm:t>
     </dgm:pt>
     <dgm:pt modelId="{8D1F05E9-2853-477F-BAB4-DF1161B0CCA7}" type="pres">
       <dgm:prSet presAssocID="{9E8985B4-5F9E-4AF9-B980-5640DA9C6420}" presName="descendantText" presStyleLbl="alignAccFollowNode1" presStyleIdx="2" presStyleCnt="6">
@@ -6661,6 +6902,13 @@
         </dgm:presLayoutVars>
       </dgm:prSet>
       <dgm:spPr/>
+      <dgm:t>
+        <a:bodyPr/>
+        <a:lstStyle/>
+        <a:p>
+          <a:endParaRPr lang="en-US"/>
+        </a:p>
+      </dgm:t>
     </dgm:pt>
     <dgm:pt modelId="{A30B4A2B-97E0-4456-A4FB-788B031A7C8A}" type="pres">
       <dgm:prSet presAssocID="{17CAF481-CF7D-4599-83A3-6773CB856B58}" presName="sp" presStyleCnt="0"/>
@@ -6678,6 +6926,13 @@
         </dgm:presLayoutVars>
       </dgm:prSet>
       <dgm:spPr/>
+      <dgm:t>
+        <a:bodyPr/>
+        <a:lstStyle/>
+        <a:p>
+          <a:endParaRPr lang="en-US"/>
+        </a:p>
+      </dgm:t>
     </dgm:pt>
     <dgm:pt modelId="{D1FA42EE-9581-4122-AFD3-59CB9716635C}" type="pres">
       <dgm:prSet presAssocID="{27855A7A-88DB-4A2B-8ACA-09A9646C40C3}" presName="descendantText" presStyleLbl="alignAccFollowNode1" presStyleIdx="3" presStyleCnt="6">
@@ -6686,6 +6941,13 @@
         </dgm:presLayoutVars>
       </dgm:prSet>
       <dgm:spPr/>
+      <dgm:t>
+        <a:bodyPr/>
+        <a:lstStyle/>
+        <a:p>
+          <a:endParaRPr lang="en-US"/>
+        </a:p>
+      </dgm:t>
     </dgm:pt>
     <dgm:pt modelId="{E7BB9363-8944-45E8-A9FA-847DE8A686A1}" type="pres">
       <dgm:prSet presAssocID="{9DA169C4-A266-4E44-99C4-22D5C7B1DF45}" presName="sp" presStyleCnt="0"/>
@@ -6703,6 +6965,13 @@
         </dgm:presLayoutVars>
       </dgm:prSet>
       <dgm:spPr/>
+      <dgm:t>
+        <a:bodyPr/>
+        <a:lstStyle/>
+        <a:p>
+          <a:endParaRPr lang="en-US"/>
+        </a:p>
+      </dgm:t>
     </dgm:pt>
     <dgm:pt modelId="{793A9AF8-8D99-471F-A596-19F6BB196B8C}" type="pres">
       <dgm:prSet presAssocID="{71A95673-B0DE-4D8B-B1BF-1A6DFEA9E6CF}" presName="descendantText" presStyleLbl="alignAccFollowNode1" presStyleIdx="4" presStyleCnt="6">
@@ -6711,6 +6980,13 @@
         </dgm:presLayoutVars>
       </dgm:prSet>
       <dgm:spPr/>
+      <dgm:t>
+        <a:bodyPr/>
+        <a:lstStyle/>
+        <a:p>
+          <a:endParaRPr lang="en-US"/>
+        </a:p>
+      </dgm:t>
     </dgm:pt>
     <dgm:pt modelId="{16F1A27D-21CA-4F70-874F-1828F900694D}" type="pres">
       <dgm:prSet presAssocID="{6EE0B6D5-991A-4BD9-8F33-F76EBF7BD3C8}" presName="sp" presStyleCnt="0"/>
@@ -6728,6 +7004,13 @@
         </dgm:presLayoutVars>
       </dgm:prSet>
       <dgm:spPr/>
+      <dgm:t>
+        <a:bodyPr/>
+        <a:lstStyle/>
+        <a:p>
+          <a:endParaRPr lang="en-US"/>
+        </a:p>
+      </dgm:t>
     </dgm:pt>
     <dgm:pt modelId="{936133A0-1C18-4D4F-B190-3A92BD18A9D9}" type="pres">
       <dgm:prSet presAssocID="{3AFD765D-5492-40D9-A05B-C524CAD24D5A}" presName="descendantText" presStyleLbl="alignAccFollowNode1" presStyleIdx="5" presStyleCnt="6">
@@ -6736,34 +7019,41 @@
         </dgm:presLayoutVars>
       </dgm:prSet>
       <dgm:spPr/>
+      <dgm:t>
+        <a:bodyPr/>
+        <a:lstStyle/>
+        <a:p>
+          <a:endParaRPr lang="en-US"/>
+        </a:p>
+      </dgm:t>
     </dgm:pt>
   </dgm:ptLst>
   <dgm:cxnLst>
+    <dgm:cxn modelId="{01C2C9EA-0C9C-4F75-8CCA-762E690A83AC}" type="presOf" srcId="{9E8985B4-5F9E-4AF9-B980-5640DA9C6420}" destId="{FB2EB111-9B0A-4DE8-8447-2B6F2EF62190}" srcOrd="0" destOrd="0" presId="urn:microsoft.com/office/officeart/2005/8/layout/vList5"/>
+    <dgm:cxn modelId="{F48EE92C-BB5C-4506-A4F1-89B060B6ECFF}" type="presOf" srcId="{71A95673-B0DE-4D8B-B1BF-1A6DFEA9E6CF}" destId="{0F9434F5-6C86-4C47-9812-348CF3B5829E}" srcOrd="0" destOrd="0" presId="urn:microsoft.com/office/officeart/2005/8/layout/vList5"/>
+    <dgm:cxn modelId="{618AFA2B-53C8-4518-9404-2501EE3245A7}" srcId="{9D785267-21AD-481F-B351-7809B96DA154}" destId="{27855A7A-88DB-4A2B-8ACA-09A9646C40C3}" srcOrd="3" destOrd="0" parTransId="{BBBD5CC1-86D3-489C-9EDD-B530DA7705F9}" sibTransId="{9DA169C4-A266-4E44-99C4-22D5C7B1DF45}"/>
+    <dgm:cxn modelId="{548998BA-B8BE-426C-A253-F7AE8CED1B7C}" srcId="{9D785267-21AD-481F-B351-7809B96DA154}" destId="{3AFD765D-5492-40D9-A05B-C524CAD24D5A}" srcOrd="5" destOrd="0" parTransId="{6D064769-9E97-4684-8FB1-073A0CB6C5B6}" sibTransId="{4CA60B1A-9995-4398-A0E9-F02E7FC851F7}"/>
+    <dgm:cxn modelId="{4FDA9741-D132-4EAF-92EB-13B2655665A3}" srcId="{9D785267-21AD-481F-B351-7809B96DA154}" destId="{71A95673-B0DE-4D8B-B1BF-1A6DFEA9E6CF}" srcOrd="4" destOrd="0" parTransId="{F8B123DB-33E6-4BB0-978B-ACC9E1D7D08F}" sibTransId="{6EE0B6D5-991A-4BD9-8F33-F76EBF7BD3C8}"/>
+    <dgm:cxn modelId="{26394FCB-6667-4998-ABBF-255F35F0EC3C}" srcId="{27855A7A-88DB-4A2B-8ACA-09A9646C40C3}" destId="{F4714888-AE50-4B18-80AA-55532D29B65B}" srcOrd="0" destOrd="0" parTransId="{E7360361-FAB2-49D9-B9A1-A6EE73EA8A80}" sibTransId="{F3FBFA69-3FBA-4DE4-A460-1899C445237D}"/>
+    <dgm:cxn modelId="{21702AD8-B63D-4965-B466-06529761FEFD}" type="presOf" srcId="{3AFD765D-5492-40D9-A05B-C524CAD24D5A}" destId="{B7205F3D-B0B5-4167-8541-C80F4F9B4CF1}" srcOrd="0" destOrd="0" presId="urn:microsoft.com/office/officeart/2005/8/layout/vList5"/>
+    <dgm:cxn modelId="{A82264D4-39DD-4283-8E8F-19B7EB0B7433}" type="presOf" srcId="{E067515D-BA13-44D7-85EB-1ADC60B14FAB}" destId="{D28206AC-B935-4157-99A4-C247686FED65}" srcOrd="0" destOrd="0" presId="urn:microsoft.com/office/officeart/2005/8/layout/vList5"/>
+    <dgm:cxn modelId="{191CE589-2866-4E84-8284-037AEA338AB5}" srcId="{9D785267-21AD-481F-B351-7809B96DA154}" destId="{9E8985B4-5F9E-4AF9-B980-5640DA9C6420}" srcOrd="2" destOrd="0" parTransId="{E43B590A-C546-4B6C-943A-ABECC796F328}" sibTransId="{17CAF481-CF7D-4599-83A3-6773CB856B58}"/>
+    <dgm:cxn modelId="{836C35FE-C39A-4102-8CFB-2A1574E10015}" type="presOf" srcId="{9D785267-21AD-481F-B351-7809B96DA154}" destId="{BEEFA2C7-54D0-4033-BDF2-8B5B977CE16E}" srcOrd="0" destOrd="0" presId="urn:microsoft.com/office/officeart/2005/8/layout/vList5"/>
+    <dgm:cxn modelId="{7AC03E8E-BE58-4945-BB48-79475BE30049}" srcId="{9D785267-21AD-481F-B351-7809B96DA154}" destId="{6838D8B8-3E83-4571-8C58-6E652BA54B2F}" srcOrd="1" destOrd="0" parTransId="{576960CB-8827-4507-8D44-B43A1C3DB394}" sibTransId="{1285F841-ADD2-44E6-9403-A1A8735502F6}"/>
     <dgm:cxn modelId="{DC91B614-40F2-4FBE-945F-A73EFB5BED38}" type="presOf" srcId="{87154DC4-6870-4A3B-8249-07574682C5CB}" destId="{793A9AF8-8D99-471F-A596-19F6BB196B8C}" srcOrd="0" destOrd="0" presId="urn:microsoft.com/office/officeart/2005/8/layout/vList5"/>
-    <dgm:cxn modelId="{618AFA2B-53C8-4518-9404-2501EE3245A7}" srcId="{9D785267-21AD-481F-B351-7809B96DA154}" destId="{27855A7A-88DB-4A2B-8ACA-09A9646C40C3}" srcOrd="3" destOrd="0" parTransId="{BBBD5CC1-86D3-489C-9EDD-B530DA7705F9}" sibTransId="{9DA169C4-A266-4E44-99C4-22D5C7B1DF45}"/>
-    <dgm:cxn modelId="{F48EE92C-BB5C-4506-A4F1-89B060B6ECFF}" type="presOf" srcId="{71A95673-B0DE-4D8B-B1BF-1A6DFEA9E6CF}" destId="{0F9434F5-6C86-4C47-9812-348CF3B5829E}" srcOrd="0" destOrd="0" presId="urn:microsoft.com/office/officeart/2005/8/layout/vList5"/>
+    <dgm:cxn modelId="{5F6E9DD9-5B29-4D57-9C45-71FC94390A0A}" type="presOf" srcId="{6838D8B8-3E83-4571-8C58-6E652BA54B2F}" destId="{7ECD120B-8CEE-4B94-9F44-21292E48FFBE}" srcOrd="0" destOrd="0" presId="urn:microsoft.com/office/officeart/2005/8/layout/vList5"/>
+    <dgm:cxn modelId="{705F1795-D64A-4FC7-A9DC-870445EAA354}" srcId="{71A95673-B0DE-4D8B-B1BF-1A6DFEA9E6CF}" destId="{87154DC4-6870-4A3B-8249-07574682C5CB}" srcOrd="0" destOrd="0" parTransId="{2586327C-9215-480D-8103-06306A7906C5}" sibTransId="{9410579A-E785-41D9-9E8E-F73DFA9371E9}"/>
+    <dgm:cxn modelId="{E15EFE8A-7D27-4332-959B-DA59A22CBFF1}" type="presOf" srcId="{11E24C7B-E724-47DB-8245-836532D70F93}" destId="{936133A0-1C18-4D4F-B190-3A92BD18A9D9}" srcOrd="0" destOrd="0" presId="urn:microsoft.com/office/officeart/2005/8/layout/vList5"/>
+    <dgm:cxn modelId="{A2DC5C57-77F1-4817-B1EE-1477FCBCDE06}" srcId="{9D785267-21AD-481F-B351-7809B96DA154}" destId="{A6934BEF-EF20-4FD0-BEA6-914F1FD1C7C0}" srcOrd="0" destOrd="0" parTransId="{58BC7A9E-64D8-4BB2-A9D9-81AFCF645AB1}" sibTransId="{88C75DB8-1CD7-422E-B9AC-796EC250B400}"/>
+    <dgm:cxn modelId="{562335C5-61F8-4568-9644-24444195BF8A}" srcId="{3AFD765D-5492-40D9-A05B-C524CAD24D5A}" destId="{11E24C7B-E724-47DB-8245-836532D70F93}" srcOrd="0" destOrd="0" parTransId="{C8BC9517-2517-4D13-8B51-61420CF844B9}" sibTransId="{5802146A-3875-4133-B46D-713290F2C73E}"/>
     <dgm:cxn modelId="{D138363A-AACF-4046-A031-B0B6FED24381}" type="presOf" srcId="{138F8CB7-F6C4-433C-9214-1F1B22CD0B87}" destId="{D8337C47-F0E0-45BA-9654-81D6734E3511}" srcOrd="0" destOrd="0" presId="urn:microsoft.com/office/officeart/2005/8/layout/vList5"/>
-    <dgm:cxn modelId="{4FDA9741-D132-4EAF-92EB-13B2655665A3}" srcId="{9D785267-21AD-481F-B351-7809B96DA154}" destId="{71A95673-B0DE-4D8B-B1BF-1A6DFEA9E6CF}" srcOrd="4" destOrd="0" parTransId="{F8B123DB-33E6-4BB0-978B-ACC9E1D7D08F}" sibTransId="{6EE0B6D5-991A-4BD9-8F33-F76EBF7BD3C8}"/>
-    <dgm:cxn modelId="{A2DC5C57-77F1-4817-B1EE-1477FCBCDE06}" srcId="{9D785267-21AD-481F-B351-7809B96DA154}" destId="{A6934BEF-EF20-4FD0-BEA6-914F1FD1C7C0}" srcOrd="0" destOrd="0" parTransId="{58BC7A9E-64D8-4BB2-A9D9-81AFCF645AB1}" sibTransId="{88C75DB8-1CD7-422E-B9AC-796EC250B400}"/>
-    <dgm:cxn modelId="{191CE589-2866-4E84-8284-037AEA338AB5}" srcId="{9D785267-21AD-481F-B351-7809B96DA154}" destId="{9E8985B4-5F9E-4AF9-B980-5640DA9C6420}" srcOrd="2" destOrd="0" parTransId="{E43B590A-C546-4B6C-943A-ABECC796F328}" sibTransId="{17CAF481-CF7D-4599-83A3-6773CB856B58}"/>
-    <dgm:cxn modelId="{E15EFE8A-7D27-4332-959B-DA59A22CBFF1}" type="presOf" srcId="{11E24C7B-E724-47DB-8245-836532D70F93}" destId="{936133A0-1C18-4D4F-B190-3A92BD18A9D9}" srcOrd="0" destOrd="0" presId="urn:microsoft.com/office/officeart/2005/8/layout/vList5"/>
-    <dgm:cxn modelId="{7AC03E8E-BE58-4945-BB48-79475BE30049}" srcId="{9D785267-21AD-481F-B351-7809B96DA154}" destId="{6838D8B8-3E83-4571-8C58-6E652BA54B2F}" srcOrd="1" destOrd="0" parTransId="{576960CB-8827-4507-8D44-B43A1C3DB394}" sibTransId="{1285F841-ADD2-44E6-9403-A1A8735502F6}"/>
-    <dgm:cxn modelId="{26C4A694-F57D-4B6E-9E30-E6FB397E649D}" type="presOf" srcId="{A6934BEF-EF20-4FD0-BEA6-914F1FD1C7C0}" destId="{B7157224-BFAD-4E9F-A4EA-6C66DE876D51}" srcOrd="0" destOrd="0" presId="urn:microsoft.com/office/officeart/2005/8/layout/vList5"/>
-    <dgm:cxn modelId="{705F1795-D64A-4FC7-A9DC-870445EAA354}" srcId="{71A95673-B0DE-4D8B-B1BF-1A6DFEA9E6CF}" destId="{87154DC4-6870-4A3B-8249-07574682C5CB}" srcOrd="0" destOrd="0" parTransId="{2586327C-9215-480D-8103-06306A7906C5}" sibTransId="{9410579A-E785-41D9-9E8E-F73DFA9371E9}"/>
+    <dgm:cxn modelId="{CAA7B8DD-D1EE-4436-921B-9C1AB3975D20}" srcId="{9E8985B4-5F9E-4AF9-B980-5640DA9C6420}" destId="{67EC4144-1E53-4871-8F18-E557CDCB4202}" srcOrd="0" destOrd="0" parTransId="{83085671-084B-4023-B2BD-AF729C81D8DF}" sibTransId="{E0376489-6F51-4C86-A65C-C0EA907A6402}"/>
     <dgm:cxn modelId="{56AC8998-429B-4193-B215-F59D236BB32F}" type="presOf" srcId="{F4714888-AE50-4B18-80AA-55532D29B65B}" destId="{D1FA42EE-9581-4122-AFD3-59CB9716635C}" srcOrd="0" destOrd="0" presId="urn:microsoft.com/office/officeart/2005/8/layout/vList5"/>
     <dgm:cxn modelId="{2DB626A2-4EDE-4186-B29F-1B8FD105BCC1}" srcId="{A6934BEF-EF20-4FD0-BEA6-914F1FD1C7C0}" destId="{E067515D-BA13-44D7-85EB-1ADC60B14FAB}" srcOrd="0" destOrd="0" parTransId="{B210159D-6EDB-461A-9357-3A902E261CFF}" sibTransId="{BA4F0DE4-8BEC-4B54-A6B4-0870327187B7}"/>
-    <dgm:cxn modelId="{548998BA-B8BE-426C-A253-F7AE8CED1B7C}" srcId="{9D785267-21AD-481F-B351-7809B96DA154}" destId="{3AFD765D-5492-40D9-A05B-C524CAD24D5A}" srcOrd="5" destOrd="0" parTransId="{6D064769-9E97-4684-8FB1-073A0CB6C5B6}" sibTransId="{4CA60B1A-9995-4398-A0E9-F02E7FC851F7}"/>
-    <dgm:cxn modelId="{562335C5-61F8-4568-9644-24444195BF8A}" srcId="{3AFD765D-5492-40D9-A05B-C524CAD24D5A}" destId="{11E24C7B-E724-47DB-8245-836532D70F93}" srcOrd="0" destOrd="0" parTransId="{C8BC9517-2517-4D13-8B51-61420CF844B9}" sibTransId="{5802146A-3875-4133-B46D-713290F2C73E}"/>
-    <dgm:cxn modelId="{26394FCB-6667-4998-ABBF-255F35F0EC3C}" srcId="{27855A7A-88DB-4A2B-8ACA-09A9646C40C3}" destId="{F4714888-AE50-4B18-80AA-55532D29B65B}" srcOrd="0" destOrd="0" parTransId="{E7360361-FAB2-49D9-B9A1-A6EE73EA8A80}" sibTransId="{F3FBFA69-3FBA-4DE4-A460-1899C445237D}"/>
-    <dgm:cxn modelId="{A82264D4-39DD-4283-8E8F-19B7EB0B7433}" type="presOf" srcId="{E067515D-BA13-44D7-85EB-1ADC60B14FAB}" destId="{D28206AC-B935-4157-99A4-C247686FED65}" srcOrd="0" destOrd="0" presId="urn:microsoft.com/office/officeart/2005/8/layout/vList5"/>
-    <dgm:cxn modelId="{528537D6-526C-443A-9031-B84895F6CA41}" srcId="{6838D8B8-3E83-4571-8C58-6E652BA54B2F}" destId="{138F8CB7-F6C4-433C-9214-1F1B22CD0B87}" srcOrd="0" destOrd="0" parTransId="{60A1A28E-A132-40EF-8C0E-F72C6B5B56EE}" sibTransId="{BE087345-C7BE-4D63-97AB-36864D67DFEC}"/>
-    <dgm:cxn modelId="{21702AD8-B63D-4965-B466-06529761FEFD}" type="presOf" srcId="{3AFD765D-5492-40D9-A05B-C524CAD24D5A}" destId="{B7205F3D-B0B5-4167-8541-C80F4F9B4CF1}" srcOrd="0" destOrd="0" presId="urn:microsoft.com/office/officeart/2005/8/layout/vList5"/>
-    <dgm:cxn modelId="{5F6E9DD9-5B29-4D57-9C45-71FC94390A0A}" type="presOf" srcId="{6838D8B8-3E83-4571-8C58-6E652BA54B2F}" destId="{7ECD120B-8CEE-4B94-9F44-21292E48FFBE}" srcOrd="0" destOrd="0" presId="urn:microsoft.com/office/officeart/2005/8/layout/vList5"/>
-    <dgm:cxn modelId="{CAA7B8DD-D1EE-4436-921B-9C1AB3975D20}" srcId="{9E8985B4-5F9E-4AF9-B980-5640DA9C6420}" destId="{67EC4144-1E53-4871-8F18-E557CDCB4202}" srcOrd="0" destOrd="0" parTransId="{83085671-084B-4023-B2BD-AF729C81D8DF}" sibTransId="{E0376489-6F51-4C86-A65C-C0EA907A6402}"/>
-    <dgm:cxn modelId="{01C2C9EA-0C9C-4F75-8CCA-762E690A83AC}" type="presOf" srcId="{9E8985B4-5F9E-4AF9-B980-5640DA9C6420}" destId="{FB2EB111-9B0A-4DE8-8447-2B6F2EF62190}" srcOrd="0" destOrd="0" presId="urn:microsoft.com/office/officeart/2005/8/layout/vList5"/>
     <dgm:cxn modelId="{D1A4EAF6-8B45-495B-961A-5376E736522F}" type="presOf" srcId="{67EC4144-1E53-4871-8F18-E557CDCB4202}" destId="{8D1F05E9-2853-477F-BAB4-DF1161B0CCA7}" srcOrd="0" destOrd="0" presId="urn:microsoft.com/office/officeart/2005/8/layout/vList5"/>
     <dgm:cxn modelId="{8DCF2FF9-F7AE-416A-86CA-12B44FE3FC97}" type="presOf" srcId="{27855A7A-88DB-4A2B-8ACA-09A9646C40C3}" destId="{44C58D03-2503-455F-9E67-C7B6080DCBB4}" srcOrd="0" destOrd="0" presId="urn:microsoft.com/office/officeart/2005/8/layout/vList5"/>
-    <dgm:cxn modelId="{836C35FE-C39A-4102-8CFB-2A1574E10015}" type="presOf" srcId="{9D785267-21AD-481F-B351-7809B96DA154}" destId="{BEEFA2C7-54D0-4033-BDF2-8B5B977CE16E}" srcOrd="0" destOrd="0" presId="urn:microsoft.com/office/officeart/2005/8/layout/vList5"/>
+    <dgm:cxn modelId="{528537D6-526C-443A-9031-B84895F6CA41}" srcId="{6838D8B8-3E83-4571-8C58-6E652BA54B2F}" destId="{138F8CB7-F6C4-433C-9214-1F1B22CD0B87}" srcOrd="0" destOrd="0" parTransId="{60A1A28E-A132-40EF-8C0E-F72C6B5B56EE}" sibTransId="{BE087345-C7BE-4D63-97AB-36864D67DFEC}"/>
+    <dgm:cxn modelId="{26C4A694-F57D-4B6E-9E30-E6FB397E649D}" type="presOf" srcId="{A6934BEF-EF20-4FD0-BEA6-914F1FD1C7C0}" destId="{B7157224-BFAD-4E9F-A4EA-6C66DE876D51}" srcOrd="0" destOrd="0" presId="urn:microsoft.com/office/officeart/2005/8/layout/vList5"/>
     <dgm:cxn modelId="{04DB7AEA-606B-4AAC-A7F1-3E9463598D75}" type="presParOf" srcId="{BEEFA2C7-54D0-4033-BDF2-8B5B977CE16E}" destId="{1BC1FD7F-7124-4C08-831B-12EC1C4C344B}" srcOrd="0" destOrd="0" presId="urn:microsoft.com/office/officeart/2005/8/layout/vList5"/>
     <dgm:cxn modelId="{08435FBF-E005-4EE1-B80A-61D711547EBD}" type="presParOf" srcId="{1BC1FD7F-7124-4C08-831B-12EC1C4C344B}" destId="{B7157224-BFAD-4E9F-A4EA-6C66DE876D51}" srcOrd="0" destOrd="0" presId="urn:microsoft.com/office/officeart/2005/8/layout/vList5"/>
     <dgm:cxn modelId="{A5A60C90-6AE5-44BD-8557-DC795DCD9B95}" type="presParOf" srcId="{1BC1FD7F-7124-4C08-831B-12EC1C4C344B}" destId="{D28206AC-B935-4157-99A4-C247686FED65}" srcOrd="1" destOrd="0" presId="urn:microsoft.com/office/officeart/2005/8/layout/vList5"/>
@@ -6923,7 +7213,7 @@
         </a:bodyPr>
         <a:lstStyle/>
         <a:p>
-          <a:pPr marL="0" lvl="0" indent="0" algn="l" defTabSz="1466850">
+          <a:pPr lvl="0" algn="l" defTabSz="1466850">
             <a:lnSpc>
               <a:spcPct val="90000"/>
             </a:lnSpc>
@@ -6933,7 +7223,6 @@
             <a:spcAft>
               <a:spcPct val="35000"/>
             </a:spcAft>
-            <a:buNone/>
           </a:pPr>
           <a:r>
             <a:rPr lang="en-US" sz="3300" kern="1200" dirty="0"/>
@@ -7063,7 +7352,7 @@
         </a:bodyPr>
         <a:lstStyle/>
         <a:p>
-          <a:pPr marL="0" lvl="0" indent="0" algn="l" defTabSz="1466850">
+          <a:pPr lvl="0" algn="l" defTabSz="1466850">
             <a:lnSpc>
               <a:spcPct val="90000"/>
             </a:lnSpc>
@@ -7073,7 +7362,6 @@
             <a:spcAft>
               <a:spcPct val="35000"/>
             </a:spcAft>
-            <a:buNone/>
           </a:pPr>
           <a:r>
             <a:rPr lang="en-US" sz="3300" kern="1200" dirty="0"/>
@@ -7221,7 +7509,7 @@
         </a:bodyPr>
         <a:lstStyle/>
         <a:p>
-          <a:pPr marL="0" lvl="0" indent="0" algn="l" defTabSz="1644650">
+          <a:pPr lvl="0" algn="l" defTabSz="1644650">
             <a:lnSpc>
               <a:spcPct val="90000"/>
             </a:lnSpc>
@@ -7231,7 +7519,6 @@
             <a:spcAft>
               <a:spcPct val="35000"/>
             </a:spcAft>
-            <a:buNone/>
           </a:pPr>
           <a:r>
             <a:rPr lang="en-US" sz="3700" kern="1200" dirty="0"/>
@@ -7367,7 +7654,7 @@
         </a:bodyPr>
         <a:lstStyle/>
         <a:p>
-          <a:pPr marL="0" lvl="0" indent="0" algn="l" defTabSz="1644650">
+          <a:pPr lvl="0" algn="l" defTabSz="1644650">
             <a:lnSpc>
               <a:spcPct val="90000"/>
             </a:lnSpc>
@@ -7377,7 +7664,6 @@
             <a:spcAft>
               <a:spcPct val="35000"/>
             </a:spcAft>
-            <a:buNone/>
           </a:pPr>
           <a:r>
             <a:rPr lang="en-US" sz="3700" kern="1200" dirty="0"/>
@@ -7513,7 +7799,7 @@
         </a:bodyPr>
         <a:lstStyle/>
         <a:p>
-          <a:pPr marL="0" lvl="0" indent="0" algn="l" defTabSz="1644650">
+          <a:pPr lvl="0" algn="l" defTabSz="1644650">
             <a:lnSpc>
               <a:spcPct val="90000"/>
             </a:lnSpc>
@@ -7523,7 +7809,6 @@
             <a:spcAft>
               <a:spcPct val="35000"/>
             </a:spcAft>
-            <a:buNone/>
           </a:pPr>
           <a:r>
             <a:rPr lang="en-US" sz="3700" kern="1200"/>
@@ -7627,7 +7912,7 @@
         </a:bodyPr>
         <a:lstStyle/>
         <a:p>
-          <a:pPr marL="0" lvl="0" indent="0" algn="ctr" defTabSz="1289050">
+          <a:pPr lvl="0" algn="ctr" defTabSz="1289050">
             <a:lnSpc>
               <a:spcPct val="90000"/>
             </a:lnSpc>
@@ -7637,7 +7922,6 @@
             <a:spcAft>
               <a:spcPct val="35000"/>
             </a:spcAft>
-            <a:buNone/>
           </a:pPr>
           <a:r>
             <a:rPr lang="en-US" sz="2900" kern="1200" dirty="0"/>
@@ -7729,7 +8013,7 @@
         </a:bodyPr>
         <a:lstStyle/>
         <a:p>
-          <a:pPr marL="0" lvl="0" indent="0" algn="ctr" defTabSz="1289050">
+          <a:pPr lvl="0" algn="ctr" defTabSz="1289050">
             <a:lnSpc>
               <a:spcPct val="90000"/>
             </a:lnSpc>
@@ -7739,7 +8023,6 @@
             <a:spcAft>
               <a:spcPct val="35000"/>
             </a:spcAft>
-            <a:buNone/>
           </a:pPr>
           <a:r>
             <a:rPr lang="en-US" sz="2900" kern="1200" dirty="0"/>
@@ -7831,7 +8114,7 @@
         </a:bodyPr>
         <a:lstStyle/>
         <a:p>
-          <a:pPr marL="0" lvl="0" indent="0" algn="ctr" defTabSz="1289050">
+          <a:pPr lvl="0" algn="ctr" defTabSz="1289050">
             <a:lnSpc>
               <a:spcPct val="90000"/>
             </a:lnSpc>
@@ -7841,7 +8124,6 @@
             <a:spcAft>
               <a:spcPct val="35000"/>
             </a:spcAft>
-            <a:buNone/>
           </a:pPr>
           <a:r>
             <a:rPr lang="en-US" sz="2900" kern="1200"/>
@@ -7933,7 +8215,7 @@
         </a:bodyPr>
         <a:lstStyle/>
         <a:p>
-          <a:pPr marL="0" lvl="0" indent="0" algn="ctr" defTabSz="1289050">
+          <a:pPr lvl="0" algn="ctr" defTabSz="1289050">
             <a:lnSpc>
               <a:spcPct val="90000"/>
             </a:lnSpc>
@@ -7943,7 +8225,6 @@
             <a:spcAft>
               <a:spcPct val="35000"/>
             </a:spcAft>
-            <a:buNone/>
           </a:pPr>
           <a:r>
             <a:rPr lang="en-US" sz="2900" kern="1200" dirty="0"/>
@@ -8035,7 +8316,7 @@
         </a:bodyPr>
         <a:lstStyle/>
         <a:p>
-          <a:pPr marL="0" lvl="0" indent="0" algn="ctr" defTabSz="1289050">
+          <a:pPr lvl="0" algn="ctr" defTabSz="1289050">
             <a:lnSpc>
               <a:spcPct val="90000"/>
             </a:lnSpc>
@@ -8045,7 +8326,6 @@
             <a:spcAft>
               <a:spcPct val="35000"/>
             </a:spcAft>
-            <a:buNone/>
           </a:pPr>
           <a:r>
             <a:rPr lang="en-US" sz="2900" kern="1200" dirty="0"/>
@@ -8137,7 +8417,7 @@
         </a:bodyPr>
         <a:lstStyle/>
         <a:p>
-          <a:pPr marL="0" lvl="0" indent="0" algn="ctr" defTabSz="1289050">
+          <a:pPr lvl="0" algn="ctr" defTabSz="1289050">
             <a:lnSpc>
               <a:spcPct val="90000"/>
             </a:lnSpc>
@@ -8147,7 +8427,6 @@
             <a:spcAft>
               <a:spcPct val="35000"/>
             </a:spcAft>
-            <a:buNone/>
           </a:pPr>
           <a:r>
             <a:rPr lang="en-US" sz="2900" kern="1200" dirty="0"/>
@@ -8239,7 +8518,7 @@
         </a:bodyPr>
         <a:lstStyle/>
         <a:p>
-          <a:pPr marL="0" lvl="0" indent="0" algn="ctr" defTabSz="1289050">
+          <a:pPr lvl="0" algn="ctr" defTabSz="1289050">
             <a:lnSpc>
               <a:spcPct val="90000"/>
             </a:lnSpc>
@@ -8249,7 +8528,6 @@
             <a:spcAft>
               <a:spcPct val="35000"/>
             </a:spcAft>
-            <a:buNone/>
           </a:pPr>
           <a:r>
             <a:rPr lang="en-US" sz="2900" kern="1200" dirty="0"/>
@@ -8359,7 +8637,7 @@
         </a:bodyPr>
         <a:lstStyle/>
         <a:p>
-          <a:pPr marL="0" lvl="0" indent="0" algn="l" defTabSz="1511300">
+          <a:pPr lvl="0" algn="l" defTabSz="1511300">
             <a:lnSpc>
               <a:spcPct val="90000"/>
             </a:lnSpc>
@@ -8369,7 +8647,6 @@
             <a:spcAft>
               <a:spcPct val="35000"/>
             </a:spcAft>
-            <a:buNone/>
           </a:pPr>
           <a:r>
             <a:rPr lang="en-US" sz="3400" kern="1200"/>
@@ -8467,7 +8744,7 @@
         </a:bodyPr>
         <a:lstStyle/>
         <a:p>
-          <a:pPr marL="0" lvl="0" indent="0" algn="l" defTabSz="1511300">
+          <a:pPr lvl="0" algn="l" defTabSz="1511300">
             <a:lnSpc>
               <a:spcPct val="90000"/>
             </a:lnSpc>
@@ -8477,7 +8754,6 @@
             <a:spcAft>
               <a:spcPct val="35000"/>
             </a:spcAft>
-            <a:buNone/>
           </a:pPr>
           <a:r>
             <a:rPr lang="en-US" sz="3400" kern="1200"/>
@@ -8575,7 +8851,7 @@
         </a:bodyPr>
         <a:lstStyle/>
         <a:p>
-          <a:pPr marL="0" lvl="0" indent="0" algn="l" defTabSz="1511300">
+          <a:pPr lvl="0" algn="l" defTabSz="1511300">
             <a:lnSpc>
               <a:spcPct val="90000"/>
             </a:lnSpc>
@@ -8585,7 +8861,6 @@
             <a:spcAft>
               <a:spcPct val="35000"/>
             </a:spcAft>
-            <a:buNone/>
           </a:pPr>
           <a:r>
             <a:rPr lang="en-US" sz="3400" kern="1200" dirty="0"/>
@@ -8658,7 +8933,7 @@
         </a:bodyPr>
         <a:lstStyle/>
         <a:p>
-          <a:pPr marL="0" lvl="0" indent="0" algn="ctr" defTabSz="1600200">
+          <a:pPr lvl="0" algn="ctr" defTabSz="1600200">
             <a:lnSpc>
               <a:spcPct val="90000"/>
             </a:lnSpc>
@@ -8668,7 +8943,6 @@
             <a:spcAft>
               <a:spcPct val="35000"/>
             </a:spcAft>
-            <a:buNone/>
           </a:pPr>
           <a:endParaRPr lang="en-US" sz="3600" kern="1200"/>
         </a:p>
@@ -8738,7 +9012,7 @@
         </a:bodyPr>
         <a:lstStyle/>
         <a:p>
-          <a:pPr marL="0" lvl="0" indent="0" algn="ctr" defTabSz="1600200">
+          <a:pPr lvl="0" algn="ctr" defTabSz="1600200">
             <a:lnSpc>
               <a:spcPct val="90000"/>
             </a:lnSpc>
@@ -8748,7 +9022,6 @@
             <a:spcAft>
               <a:spcPct val="35000"/>
             </a:spcAft>
-            <a:buNone/>
           </a:pPr>
           <a:endParaRPr lang="en-US" sz="3600" kern="1200"/>
         </a:p>
@@ -8855,7 +9128,7 @@
         </a:bodyPr>
         <a:lstStyle/>
         <a:p>
-          <a:pPr marL="0" lvl="0" indent="0" algn="ctr" defTabSz="1333500">
+          <a:pPr lvl="0" algn="ctr" defTabSz="1333500">
             <a:lnSpc>
               <a:spcPct val="90000"/>
             </a:lnSpc>
@@ -8865,7 +9138,6 @@
             <a:spcAft>
               <a:spcPct val="35000"/>
             </a:spcAft>
-            <a:buNone/>
           </a:pPr>
           <a:r>
             <a:rPr lang="en-US" sz="3000" kern="1200"/>
@@ -8945,7 +9217,7 @@
             <a:spcAft>
               <a:spcPct val="15000"/>
             </a:spcAft>
-            <a:buChar char="•"/>
+            <a:buChar char="••"/>
           </a:pPr>
           <a:r>
             <a:rPr lang="en-US" sz="3000" kern="1200"/>
@@ -8963,7 +9235,7 @@
             <a:spcAft>
               <a:spcPct val="15000"/>
             </a:spcAft>
-            <a:buChar char="•"/>
+            <a:buChar char="••"/>
           </a:pPr>
           <a:r>
             <a:rPr lang="en-US" sz="3000" kern="1200" dirty="0"/>
@@ -9061,7 +9333,7 @@
         </a:bodyPr>
         <a:lstStyle/>
         <a:p>
-          <a:pPr marL="0" lvl="0" indent="0" algn="ctr" defTabSz="1333500">
+          <a:pPr lvl="0" algn="ctr" defTabSz="1333500">
             <a:lnSpc>
               <a:spcPct val="90000"/>
             </a:lnSpc>
@@ -9071,7 +9343,6 @@
             <a:spcAft>
               <a:spcPct val="35000"/>
             </a:spcAft>
-            <a:buNone/>
           </a:pPr>
           <a:r>
             <a:rPr lang="en-US" sz="3000" kern="1200"/>
@@ -9151,7 +9422,7 @@
             <a:spcAft>
               <a:spcPct val="15000"/>
             </a:spcAft>
-            <a:buChar char="•"/>
+            <a:buChar char="••"/>
           </a:pPr>
           <a:r>
             <a:rPr lang="en-US" sz="3000" kern="1200"/>
@@ -9243,7 +9514,7 @@
             <a:spcAft>
               <a:spcPct val="15000"/>
             </a:spcAft>
-            <a:buChar char="•"/>
+            <a:buChar char="••"/>
           </a:pPr>
           <a:r>
             <a:rPr lang="en-US" sz="1800" kern="1200"/>
@@ -9332,7 +9603,7 @@
         </a:bodyPr>
         <a:lstStyle/>
         <a:p>
-          <a:pPr marL="0" lvl="0" indent="0" algn="ctr" defTabSz="1111250">
+          <a:pPr lvl="0" algn="ctr" defTabSz="1111250">
             <a:lnSpc>
               <a:spcPct val="90000"/>
             </a:lnSpc>
@@ -9342,7 +9613,6 @@
             <a:spcAft>
               <a:spcPct val="35000"/>
             </a:spcAft>
-            <a:buNone/>
           </a:pPr>
           <a:r>
             <a:rPr lang="en-US" sz="2500" kern="1200"/>
@@ -9422,7 +9692,7 @@
             <a:spcAft>
               <a:spcPct val="15000"/>
             </a:spcAft>
-            <a:buChar char="•"/>
+            <a:buChar char="••"/>
           </a:pPr>
           <a:r>
             <a:rPr lang="en-US" sz="1800" kern="1200"/>
@@ -9511,7 +9781,7 @@
         </a:bodyPr>
         <a:lstStyle/>
         <a:p>
-          <a:pPr marL="0" lvl="0" indent="0" algn="ctr" defTabSz="1111250">
+          <a:pPr lvl="0" algn="ctr" defTabSz="1111250">
             <a:lnSpc>
               <a:spcPct val="90000"/>
             </a:lnSpc>
@@ -9521,7 +9791,6 @@
             <a:spcAft>
               <a:spcPct val="35000"/>
             </a:spcAft>
-            <a:buNone/>
           </a:pPr>
           <a:r>
             <a:rPr lang="en-US" sz="2500" kern="1200"/>
@@ -9601,7 +9870,7 @@
             <a:spcAft>
               <a:spcPct val="15000"/>
             </a:spcAft>
-            <a:buChar char="•"/>
+            <a:buChar char="••"/>
           </a:pPr>
           <a:r>
             <a:rPr lang="en-US" sz="1800" kern="1200"/>
@@ -9690,7 +9959,7 @@
         </a:bodyPr>
         <a:lstStyle/>
         <a:p>
-          <a:pPr marL="0" lvl="0" indent="0" algn="ctr" defTabSz="1111250">
+          <a:pPr lvl="0" algn="ctr" defTabSz="1111250">
             <a:lnSpc>
               <a:spcPct val="90000"/>
             </a:lnSpc>
@@ -9700,7 +9969,6 @@
             <a:spcAft>
               <a:spcPct val="35000"/>
             </a:spcAft>
-            <a:buNone/>
           </a:pPr>
           <a:r>
             <a:rPr lang="en-US" sz="2500" kern="1200"/>
@@ -9780,7 +10048,7 @@
             <a:spcAft>
               <a:spcPct val="15000"/>
             </a:spcAft>
-            <a:buChar char="•"/>
+            <a:buChar char="••"/>
           </a:pPr>
           <a:r>
             <a:rPr lang="en-US" sz="1800" kern="1200"/>
@@ -9869,7 +10137,7 @@
         </a:bodyPr>
         <a:lstStyle/>
         <a:p>
-          <a:pPr marL="0" lvl="0" indent="0" algn="ctr" defTabSz="1111250">
+          <a:pPr lvl="0" algn="ctr" defTabSz="1111250">
             <a:lnSpc>
               <a:spcPct val="90000"/>
             </a:lnSpc>
@@ -9879,7 +10147,6 @@
             <a:spcAft>
               <a:spcPct val="35000"/>
             </a:spcAft>
-            <a:buNone/>
           </a:pPr>
           <a:r>
             <a:rPr lang="en-US" sz="2500" kern="1200"/>
@@ -9959,7 +10226,7 @@
             <a:spcAft>
               <a:spcPct val="15000"/>
             </a:spcAft>
-            <a:buChar char="•"/>
+            <a:buChar char="••"/>
           </a:pPr>
           <a:r>
             <a:rPr lang="en-US" sz="1800" kern="1200"/>
@@ -10048,7 +10315,7 @@
         </a:bodyPr>
         <a:lstStyle/>
         <a:p>
-          <a:pPr marL="0" lvl="0" indent="0" algn="ctr" defTabSz="1111250">
+          <a:pPr lvl="0" algn="ctr" defTabSz="1111250">
             <a:lnSpc>
               <a:spcPct val="90000"/>
             </a:lnSpc>
@@ -10058,7 +10325,6 @@
             <a:spcAft>
               <a:spcPct val="35000"/>
             </a:spcAft>
-            <a:buNone/>
           </a:pPr>
           <a:r>
             <a:rPr lang="en-US" sz="2500" kern="1200"/>
@@ -10138,7 +10404,7 @@
             <a:spcAft>
               <a:spcPct val="15000"/>
             </a:spcAft>
-            <a:buChar char="•"/>
+            <a:buChar char="••"/>
           </a:pPr>
           <a:r>
             <a:rPr lang="en-US" sz="1800" kern="1200"/>
@@ -10227,7 +10493,7 @@
         </a:bodyPr>
         <a:lstStyle/>
         <a:p>
-          <a:pPr marL="0" lvl="0" indent="0" algn="ctr" defTabSz="1111250">
+          <a:pPr lvl="0" algn="ctr" defTabSz="1111250">
             <a:lnSpc>
               <a:spcPct val="90000"/>
             </a:lnSpc>
@@ -10237,7 +10503,6 @@
             <a:spcAft>
               <a:spcPct val="35000"/>
             </a:spcAft>
-            <a:buNone/>
           </a:pPr>
           <a:r>
             <a:rPr lang="en-US" sz="2500" kern="1200"/>
@@ -19347,7 +19612,7 @@
           <a:p>
             <a:fld id="{7BCB8214-0E7E-4EFC-9E1C-25F6159D4170}" type="datetimeFigureOut">
               <a:rPr lang="en-US" smtClean="0"/>
-              <a:t>8/9/2018</a:t>
+              <a:t>8/21/2018</a:t>
             </a:fld>
             <a:endParaRPr lang="en-US"/>
           </a:p>
@@ -20533,7 +20798,7 @@
           <a:p>
             <a:fld id="{0112F830-31CF-4898-9DC8-86941997CB87}" type="slidenum">
               <a:rPr lang="en-US" smtClean="0"/>
-              <a:t>33</a:t>
+              <a:t>32</a:t>
             </a:fld>
             <a:endParaRPr lang="en-US"/>
           </a:p>
@@ -20683,7 +20948,7 @@
           <a:p>
             <a:fld id="{C8AC65AB-5746-43EA-A59E-648FB11CA309}" type="datetimeFigureOut">
               <a:rPr lang="en-US" smtClean="0"/>
-              <a:t>8/9/2018</a:t>
+              <a:t>8/21/2018</a:t>
             </a:fld>
             <a:endParaRPr lang="en-US"/>
           </a:p>
@@ -20853,7 +21118,7 @@
           <a:p>
             <a:fld id="{C8AC65AB-5746-43EA-A59E-648FB11CA309}" type="datetimeFigureOut">
               <a:rPr lang="en-US" smtClean="0"/>
-              <a:t>8/9/2018</a:t>
+              <a:t>8/21/2018</a:t>
             </a:fld>
             <a:endParaRPr lang="en-US"/>
           </a:p>
@@ -21033,7 +21298,7 @@
           <a:p>
             <a:fld id="{C8AC65AB-5746-43EA-A59E-648FB11CA309}" type="datetimeFigureOut">
               <a:rPr lang="en-US" smtClean="0"/>
-              <a:t>8/9/2018</a:t>
+              <a:t>8/21/2018</a:t>
             </a:fld>
             <a:endParaRPr lang="en-US"/>
           </a:p>
@@ -21225,7 +21490,7 @@
           <a:p>
             <a:fld id="{C8AC65AB-5746-43EA-A59E-648FB11CA309}" type="datetimeFigureOut">
               <a:rPr lang="en-US" smtClean="0"/>
-              <a:t>8/9/2018</a:t>
+              <a:t>8/21/2018</a:t>
             </a:fld>
             <a:endParaRPr lang="en-US"/>
           </a:p>
@@ -21470,7 +21735,7 @@
           <a:p>
             <a:fld id="{C8AC65AB-5746-43EA-A59E-648FB11CA309}" type="datetimeFigureOut">
               <a:rPr lang="en-US" smtClean="0"/>
-              <a:t>8/9/2018</a:t>
+              <a:t>8/21/2018</a:t>
             </a:fld>
             <a:endParaRPr lang="en-US"/>
           </a:p>
@@ -21707,7 +21972,7 @@
           <a:p>
             <a:fld id="{C8AC65AB-5746-43EA-A59E-648FB11CA309}" type="datetimeFigureOut">
               <a:rPr lang="en-US" smtClean="0"/>
-              <a:t>8/9/2018</a:t>
+              <a:t>8/21/2018</a:t>
             </a:fld>
             <a:endParaRPr lang="en-US"/>
           </a:p>
@@ -22083,7 +22348,7 @@
           <a:p>
             <a:fld id="{C8AC65AB-5746-43EA-A59E-648FB11CA309}" type="datetimeFigureOut">
               <a:rPr lang="en-US" smtClean="0"/>
-              <a:t>8/9/2018</a:t>
+              <a:t>8/21/2018</a:t>
             </a:fld>
             <a:endParaRPr lang="en-US"/>
           </a:p>
@@ -22206,7 +22471,7 @@
           <a:p>
             <a:fld id="{C8AC65AB-5746-43EA-A59E-648FB11CA309}" type="datetimeFigureOut">
               <a:rPr lang="en-US" smtClean="0"/>
-              <a:t>8/9/2018</a:t>
+              <a:t>8/21/2018</a:t>
             </a:fld>
             <a:endParaRPr lang="en-US"/>
           </a:p>
@@ -22301,7 +22566,7 @@
           <a:p>
             <a:fld id="{C8AC65AB-5746-43EA-A59E-648FB11CA309}" type="datetimeFigureOut">
               <a:rPr lang="en-US" smtClean="0"/>
-              <a:t>8/9/2018</a:t>
+              <a:t>8/21/2018</a:t>
             </a:fld>
             <a:endParaRPr lang="en-US"/>
           </a:p>
@@ -22578,7 +22843,7 @@
           <a:p>
             <a:fld id="{C8AC65AB-5746-43EA-A59E-648FB11CA309}" type="datetimeFigureOut">
               <a:rPr lang="en-US" smtClean="0"/>
-              <a:t>8/9/2018</a:t>
+              <a:t>8/21/2018</a:t>
             </a:fld>
             <a:endParaRPr lang="en-US"/>
           </a:p>
@@ -22835,7 +23100,7 @@
           <a:p>
             <a:fld id="{C8AC65AB-5746-43EA-A59E-648FB11CA309}" type="datetimeFigureOut">
               <a:rPr lang="en-US" smtClean="0"/>
-              <a:t>8/9/2018</a:t>
+              <a:t>8/21/2018</a:t>
             </a:fld>
             <a:endParaRPr lang="en-US"/>
           </a:p>
@@ -23048,7 +23313,7 @@
           <a:p>
             <a:fld id="{C8AC65AB-5746-43EA-A59E-648FB11CA309}" type="datetimeFigureOut">
               <a:rPr lang="en-US" smtClean="0"/>
-              <a:t>8/9/2018</a:t>
+              <a:t>8/21/2018</a:t>
             </a:fld>
             <a:endParaRPr lang="en-US"/>
           </a:p>
@@ -23469,7 +23734,7 @@
                 <a16:creationId xmlns:a16="http://schemas.microsoft.com/office/drawing/2014/main" id="{6753252F-4873-4F63-801D-CC719279A7D5}"/>
               </a:ext>
               <a:ext uri="{C183D7F6-B498-43B3-948B-1728B52AA6E4}">
-                <adec:decorative xmlns:adec="http://schemas.microsoft.com/office/drawing/2017/decorative" val="1"/>
+                <adec:decorative xmlns:adec="http://schemas.microsoft.com/office/drawing/2017/decorative" xmlns="" val="1"/>
               </a:ext>
             </a:extLst>
           </p:cNvPr>
@@ -23561,7 +23826,7 @@
                 <a16:creationId xmlns:a16="http://schemas.microsoft.com/office/drawing/2014/main" id="{047C8CCB-F95D-4249-92DD-651249D3535A}"/>
               </a:ext>
               <a:ext uri="{C183D7F6-B498-43B3-948B-1728B52AA6E4}">
-                <adec:decorative xmlns:adec="http://schemas.microsoft.com/office/drawing/2017/decorative" val="1"/>
+                <adec:decorative xmlns:adec="http://schemas.microsoft.com/office/drawing/2017/decorative" xmlns="" val="1"/>
               </a:ext>
             </a:extLst>
           </p:cNvPr>
@@ -24089,13 +24354,13 @@
           <p:nvPr/>
         </p:nvPicPr>
         <p:blipFill>
-          <a:blip r:embed="rId3">
+          <a:blip r:embed="rId3" cstate="hqprint">
             <a:extLst>
               <a:ext uri="{28A0092B-C50C-407E-A947-70E740481C1C}">
                 <a14:useLocalDpi xmlns:a14="http://schemas.microsoft.com/office/drawing/2010/main" val="0"/>
               </a:ext>
               <a:ext uri="{96DAC541-7B7A-43D3-8B79-37D633B846F1}">
-                <asvg:svgBlip xmlns:asvg="http://schemas.microsoft.com/office/drawing/2016/SVG/main" r:embed="rId4"/>
+                <asvg:svgBlip xmlns:asvg="http://schemas.microsoft.com/office/drawing/2016/SVG/main" xmlns="" r:embed="rId4"/>
               </a:ext>
             </a:extLst>
           </a:blip>
@@ -24894,7 +25159,7 @@
                 <a14:useLocalDpi xmlns:a14="http://schemas.microsoft.com/office/drawing/2010/main" val="0"/>
               </a:ext>
               <a:ext uri="{96DAC541-7B7A-43D3-8B79-37D633B846F1}">
-                <asvg:svgBlip xmlns:asvg="http://schemas.microsoft.com/office/drawing/2016/SVG/main" r:embed="rId3"/>
+                <asvg:svgBlip xmlns:asvg="http://schemas.microsoft.com/office/drawing/2016/SVG/main" xmlns="" r:embed="rId3"/>
               </a:ext>
             </a:extLst>
           </a:blip>
@@ -25465,13 +25730,13 @@
           <p:nvPr/>
         </p:nvPicPr>
         <p:blipFill>
-          <a:blip r:embed="rId3">
+          <a:blip r:embed="rId3" cstate="hqprint">
             <a:extLst>
               <a:ext uri="{28A0092B-C50C-407E-A947-70E740481C1C}">
                 <a14:useLocalDpi xmlns:a14="http://schemas.microsoft.com/office/drawing/2010/main" val="0"/>
               </a:ext>
               <a:ext uri="{96DAC541-7B7A-43D3-8B79-37D633B846F1}">
-                <asvg:svgBlip xmlns:asvg="http://schemas.microsoft.com/office/drawing/2016/SVG/main" r:embed="rId4"/>
+                <asvg:svgBlip xmlns:asvg="http://schemas.microsoft.com/office/drawing/2016/SVG/main" xmlns="" r:embed="rId4"/>
               </a:ext>
             </a:extLst>
           </a:blip>
@@ -25737,7 +26002,7 @@
                 <a16:creationId xmlns:a16="http://schemas.microsoft.com/office/drawing/2014/main" id="{559AE206-7EBA-4D33-8BC9-9D8158553F0E}"/>
               </a:ext>
               <a:ext uri="{C183D7F6-B498-43B3-948B-1728B52AA6E4}">
-                <adec:decorative xmlns:adec="http://schemas.microsoft.com/office/drawing/2017/decorative" val="1"/>
+                <adec:decorative xmlns:adec="http://schemas.microsoft.com/office/drawing/2017/decorative" xmlns="" val="1"/>
               </a:ext>
             </a:extLst>
           </p:cNvPr>
@@ -25826,7 +26091,7 @@
                 <a16:creationId xmlns:a16="http://schemas.microsoft.com/office/drawing/2014/main" id="{6437D937-A7F1-4011-92B4-328E5BE1B166}"/>
               </a:ext>
               <a:ext uri="{C183D7F6-B498-43B3-948B-1728B52AA6E4}">
-                <adec:decorative xmlns:adec="http://schemas.microsoft.com/office/drawing/2017/decorative" val="1"/>
+                <adec:decorative xmlns:adec="http://schemas.microsoft.com/office/drawing/2017/decorative" xmlns="" val="1"/>
               </a:ext>
             </a:extLst>
           </p:cNvPr>
@@ -25918,7 +26183,7 @@
                 <a16:creationId xmlns:a16="http://schemas.microsoft.com/office/drawing/2014/main" id="{B672F332-AF08-46C6-94F0-77684310D7B7}"/>
               </a:ext>
               <a:ext uri="{C183D7F6-B498-43B3-948B-1728B52AA6E4}">
-                <adec:decorative xmlns:adec="http://schemas.microsoft.com/office/drawing/2017/decorative" val="1"/>
+                <adec:decorative xmlns:adec="http://schemas.microsoft.com/office/drawing/2017/decorative" xmlns="" val="1"/>
               </a:ext>
             </a:extLst>
           </p:cNvPr>
@@ -26010,7 +26275,7 @@
                 <a16:creationId xmlns:a16="http://schemas.microsoft.com/office/drawing/2014/main" id="{34244EF8-D73A-40E1-BE73-D46E6B4B04ED}"/>
               </a:ext>
               <a:ext uri="{C183D7F6-B498-43B3-948B-1728B52AA6E4}">
-                <adec:decorative xmlns:adec="http://schemas.microsoft.com/office/drawing/2017/decorative" val="1"/>
+                <adec:decorative xmlns:adec="http://schemas.microsoft.com/office/drawing/2017/decorative" xmlns="" val="1"/>
               </a:ext>
             </a:extLst>
           </p:cNvPr>
@@ -26102,7 +26367,7 @@
                 <a16:creationId xmlns:a16="http://schemas.microsoft.com/office/drawing/2014/main" id="{AB84D7E8-4ECB-42D7-ADBF-01689B0F24AE}"/>
               </a:ext>
               <a:ext uri="{C183D7F6-B498-43B3-948B-1728B52AA6E4}">
-                <adec:decorative xmlns:adec="http://schemas.microsoft.com/office/drawing/2017/decorative" val="1"/>
+                <adec:decorative xmlns:adec="http://schemas.microsoft.com/office/drawing/2017/decorative" xmlns="" val="1"/>
               </a:ext>
             </a:extLst>
           </p:cNvPr>
@@ -26257,7 +26522,7 @@
                 <a16:creationId xmlns:a16="http://schemas.microsoft.com/office/drawing/2014/main" id="{9E8E38ED-369A-44C2-B635-0BED0E48A6E8}"/>
               </a:ext>
               <a:ext uri="{C183D7F6-B498-43B3-948B-1728B52AA6E4}">
-                <adec:decorative xmlns:adec="http://schemas.microsoft.com/office/drawing/2017/decorative" val="1"/>
+                <adec:decorative xmlns:adec="http://schemas.microsoft.com/office/drawing/2017/decorative" xmlns="" val="1"/>
               </a:ext>
             </a:extLst>
           </p:cNvPr>
@@ -26535,7 +26800,7 @@
                 <a16:creationId xmlns:a16="http://schemas.microsoft.com/office/drawing/2014/main" id="{59A309A7-1751-4ABE-A3C1-EEC40366AD89}"/>
               </a:ext>
               <a:ext uri="{C183D7F6-B498-43B3-948B-1728B52AA6E4}">
-                <adec:decorative xmlns:adec="http://schemas.microsoft.com/office/drawing/2017/decorative" val="1"/>
+                <adec:decorative xmlns:adec="http://schemas.microsoft.com/office/drawing/2017/decorative" xmlns="" val="1"/>
               </a:ext>
             </a:extLst>
           </p:cNvPr>
@@ -26598,7 +26863,7 @@
                 <a16:creationId xmlns:a16="http://schemas.microsoft.com/office/drawing/2014/main" id="{967D8EB6-EAE1-4F9C-B398-83321E287204}"/>
               </a:ext>
               <a:ext uri="{C183D7F6-B498-43B3-948B-1728B52AA6E4}">
-                <adec:decorative xmlns:adec="http://schemas.microsoft.com/office/drawing/2017/decorative" val="1"/>
+                <adec:decorative xmlns:adec="http://schemas.microsoft.com/office/drawing/2017/decorative" xmlns="" val="1"/>
               </a:ext>
             </a:extLst>
           </p:cNvPr>
@@ -26676,7 +26941,7 @@
                 <a14:useLocalDpi xmlns:a14="http://schemas.microsoft.com/office/drawing/2010/main" val="0"/>
               </a:ext>
               <a:ext uri="{96DAC541-7B7A-43D3-8B79-37D633B846F1}">
-                <asvg:svgBlip xmlns:asvg="http://schemas.microsoft.com/office/drawing/2016/SVG/main" r:embed="rId3"/>
+                <asvg:svgBlip xmlns:asvg="http://schemas.microsoft.com/office/drawing/2016/SVG/main" xmlns="" r:embed="rId3"/>
               </a:ext>
             </a:extLst>
           </a:blip>
@@ -27340,7 +27605,7 @@
                 <a14:useLocalDpi xmlns:a14="http://schemas.microsoft.com/office/drawing/2010/main" val="0"/>
               </a:ext>
               <a:ext uri="{96DAC541-7B7A-43D3-8B79-37D633B846F1}">
-                <asvg:svgBlip xmlns:asvg="http://schemas.microsoft.com/office/drawing/2016/SVG/main" r:embed="rId3"/>
+                <asvg:svgBlip xmlns:asvg="http://schemas.microsoft.com/office/drawing/2016/SVG/main" xmlns="" r:embed="rId3"/>
               </a:ext>
             </a:extLst>
           </a:blip>
@@ -27452,7 +27717,7 @@
                   <a14:useLocalDpi xmlns:a14="http://schemas.microsoft.com/office/drawing/2010/main" val="0"/>
                 </a:ext>
                 <a:ext uri="{96DAC541-7B7A-43D3-8B79-37D633B846F1}">
-                  <asvg:svgBlip xmlns:asvg="http://schemas.microsoft.com/office/drawing/2016/SVG/main" r:embed="rId5"/>
+                  <asvg:svgBlip xmlns:asvg="http://schemas.microsoft.com/office/drawing/2016/SVG/main" xmlns="" r:embed="rId5"/>
                 </a:ext>
               </a:extLst>
             </a:blip>
@@ -27560,7 +27825,7 @@
                   <a14:useLocalDpi xmlns:a14="http://schemas.microsoft.com/office/drawing/2010/main" val="0"/>
                 </a:ext>
                 <a:ext uri="{96DAC541-7B7A-43D3-8B79-37D633B846F1}">
-                  <asvg:svgBlip xmlns:asvg="http://schemas.microsoft.com/office/drawing/2016/SVG/main" r:embed="rId7"/>
+                  <asvg:svgBlip xmlns:asvg="http://schemas.microsoft.com/office/drawing/2016/SVG/main" xmlns="" r:embed="rId7"/>
                 </a:ext>
               </a:extLst>
             </a:blip>
@@ -27654,7 +27919,7 @@
                   <a14:useLocalDpi xmlns:a14="http://schemas.microsoft.com/office/drawing/2010/main" val="0"/>
                 </a:ext>
                 <a:ext uri="{96DAC541-7B7A-43D3-8B79-37D633B846F1}">
-                  <asvg:svgBlip xmlns:asvg="http://schemas.microsoft.com/office/drawing/2016/SVG/main" r:embed="rId9"/>
+                  <asvg:svgBlip xmlns:asvg="http://schemas.microsoft.com/office/drawing/2016/SVG/main" xmlns="" r:embed="rId9"/>
                 </a:ext>
               </a:extLst>
             </a:blip>
@@ -27860,13 +28125,13 @@
             <p:nvPr/>
           </p:nvPicPr>
           <p:blipFill>
-            <a:blip r:embed="rId10">
+            <a:blip r:embed="rId10" cstate="hqprint">
               <a:extLst>
                 <a:ext uri="{28A0092B-C50C-407E-A947-70E740481C1C}">
                   <a14:useLocalDpi xmlns:a14="http://schemas.microsoft.com/office/drawing/2010/main" val="0"/>
                 </a:ext>
                 <a:ext uri="{96DAC541-7B7A-43D3-8B79-37D633B846F1}">
-                  <asvg:svgBlip xmlns:asvg="http://schemas.microsoft.com/office/drawing/2016/SVG/main" r:embed="rId11"/>
+                  <asvg:svgBlip xmlns:asvg="http://schemas.microsoft.com/office/drawing/2016/SVG/main" xmlns="" r:embed="rId11"/>
                 </a:ext>
               </a:extLst>
             </a:blip>
@@ -28021,7 +28286,7 @@
                   <a14:useLocalDpi xmlns:a14="http://schemas.microsoft.com/office/drawing/2010/main" val="0"/>
                 </a:ext>
                 <a:ext uri="{96DAC541-7B7A-43D3-8B79-37D633B846F1}">
-                  <asvg:svgBlip xmlns:asvg="http://schemas.microsoft.com/office/drawing/2016/SVG/main" r:embed="rId13"/>
+                  <asvg:svgBlip xmlns:asvg="http://schemas.microsoft.com/office/drawing/2016/SVG/main" xmlns="" r:embed="rId13"/>
                 </a:ext>
               </a:extLst>
             </a:blip>
@@ -28609,7 +28874,7 @@
                 <a16:creationId xmlns:a16="http://schemas.microsoft.com/office/drawing/2014/main" id="{F98ED85F-DCEE-4B50-802E-71A6E3E12B04}"/>
               </a:ext>
               <a:ext uri="{C183D7F6-B498-43B3-948B-1728B52AA6E4}">
-                <adec:decorative xmlns:adec="http://schemas.microsoft.com/office/drawing/2017/decorative" val="1"/>
+                <adec:decorative xmlns:adec="http://schemas.microsoft.com/office/drawing/2017/decorative" xmlns="" val="1"/>
               </a:ext>
             </a:extLst>
           </p:cNvPr>
@@ -28963,7 +29228,7 @@
                 <a14:useLocalDpi xmlns:a14="http://schemas.microsoft.com/office/drawing/2010/main" val="0"/>
               </a:ext>
               <a:ext uri="{96DAC541-7B7A-43D3-8B79-37D633B846F1}">
-                <asvg:svgBlip xmlns:asvg="http://schemas.microsoft.com/office/drawing/2016/SVG/main" r:embed="rId3"/>
+                <asvg:svgBlip xmlns:asvg="http://schemas.microsoft.com/office/drawing/2016/SVG/main" xmlns="" r:embed="rId3"/>
               </a:ext>
             </a:extLst>
           </a:blip>
@@ -29075,7 +29340,7 @@
                   <a14:useLocalDpi xmlns:a14="http://schemas.microsoft.com/office/drawing/2010/main" val="0"/>
                 </a:ext>
                 <a:ext uri="{96DAC541-7B7A-43D3-8B79-37D633B846F1}">
-                  <asvg:svgBlip xmlns:asvg="http://schemas.microsoft.com/office/drawing/2016/SVG/main" r:embed="rId5"/>
+                  <asvg:svgBlip xmlns:asvg="http://schemas.microsoft.com/office/drawing/2016/SVG/main" xmlns="" r:embed="rId5"/>
                 </a:ext>
               </a:extLst>
             </a:blip>
@@ -29183,7 +29448,7 @@
                   <a14:useLocalDpi xmlns:a14="http://schemas.microsoft.com/office/drawing/2010/main" val="0"/>
                 </a:ext>
                 <a:ext uri="{96DAC541-7B7A-43D3-8B79-37D633B846F1}">
-                  <asvg:svgBlip xmlns:asvg="http://schemas.microsoft.com/office/drawing/2016/SVG/main" r:embed="rId7"/>
+                  <asvg:svgBlip xmlns:asvg="http://schemas.microsoft.com/office/drawing/2016/SVG/main" xmlns="" r:embed="rId7"/>
                 </a:ext>
               </a:extLst>
             </a:blip>
@@ -29277,7 +29542,7 @@
                   <a14:useLocalDpi xmlns:a14="http://schemas.microsoft.com/office/drawing/2010/main" val="0"/>
                 </a:ext>
                 <a:ext uri="{96DAC541-7B7A-43D3-8B79-37D633B846F1}">
-                  <asvg:svgBlip xmlns:asvg="http://schemas.microsoft.com/office/drawing/2016/SVG/main" r:embed="rId9"/>
+                  <asvg:svgBlip xmlns:asvg="http://schemas.microsoft.com/office/drawing/2016/SVG/main" xmlns="" r:embed="rId9"/>
                 </a:ext>
               </a:extLst>
             </a:blip>
@@ -29371,7 +29636,7 @@
                   <a14:useLocalDpi xmlns:a14="http://schemas.microsoft.com/office/drawing/2010/main" val="0"/>
                 </a:ext>
                 <a:ext uri="{96DAC541-7B7A-43D3-8B79-37D633B846F1}">
-                  <asvg:svgBlip xmlns:asvg="http://schemas.microsoft.com/office/drawing/2016/SVG/main" r:embed="rId11"/>
+                  <asvg:svgBlip xmlns:asvg="http://schemas.microsoft.com/office/drawing/2016/SVG/main" xmlns="" r:embed="rId11"/>
                 </a:ext>
               </a:extLst>
             </a:blip>
@@ -30069,13 +30334,13 @@
           <p:nvPr/>
         </p:nvPicPr>
         <p:blipFill>
-          <a:blip r:embed="rId3">
+          <a:blip r:embed="rId3" cstate="hqprint">
             <a:extLst>
               <a:ext uri="{28A0092B-C50C-407E-A947-70E740481C1C}">
                 <a14:useLocalDpi xmlns:a14="http://schemas.microsoft.com/office/drawing/2010/main" val="0"/>
               </a:ext>
               <a:ext uri="{96DAC541-7B7A-43D3-8B79-37D633B846F1}">
-                <asvg:svgBlip xmlns:asvg="http://schemas.microsoft.com/office/drawing/2016/SVG/main" r:embed="rId4"/>
+                <asvg:svgBlip xmlns:asvg="http://schemas.microsoft.com/office/drawing/2016/SVG/main" xmlns="" r:embed="rId4"/>
               </a:ext>
             </a:extLst>
           </a:blip>
@@ -30223,328 +30488,6 @@
     <p:bg>
       <p:bgPr>
         <a:solidFill>
-          <a:schemeClr val="bg1">
-            <a:tint val="95000"/>
-            <a:satMod val="170000"/>
-          </a:schemeClr>
-        </a:solidFill>
-        <a:effectLst/>
-      </p:bgPr>
-    </p:bg>
-    <p:spTree>
-      <p:nvGrpSpPr>
-        <p:cNvPr id="1" name=""/>
-        <p:cNvGrpSpPr/>
-        <p:nvPr/>
-      </p:nvGrpSpPr>
-      <p:grpSpPr>
-        <a:xfrm>
-          <a:off x="0" y="0"/>
-          <a:ext cx="0" cy="0"/>
-          <a:chOff x="0" y="0"/>
-          <a:chExt cx="0" cy="0"/>
-        </a:xfrm>
-      </p:grpSpPr>
-      <p:grpSp>
-        <p:nvGrpSpPr>
-          <p:cNvPr id="11" name="Group 10">
-            <a:extLst>
-              <a:ext uri="{FF2B5EF4-FFF2-40B4-BE49-F238E27FC236}">
-                <a16:creationId xmlns:a16="http://schemas.microsoft.com/office/drawing/2014/main" id="{D2C4BFA1-2075-4901-9E24-E41D1FDD51FD}"/>
-              </a:ext>
-              <a:ext uri="{C183D7F6-B498-43B3-948B-1728B52AA6E4}">
-                <adec:decorative xmlns:adec="http://schemas.microsoft.com/office/drawing/2017/decorative" val="1"/>
-              </a:ext>
-            </a:extLst>
-          </p:cNvPr>
-          <p:cNvGrpSpPr>
-            <a:grpSpLocks noGrp="1" noUngrp="1" noRot="1" noChangeAspect="1" noMove="1" noResize="1"/>
-          </p:cNvGrpSpPr>
-          <p:nvPr>
-            <p:extLst>
-              <p:ext uri="{386F3935-93C4-4BCD-93E2-E3B085C9AB24}">
-                <p16:designElem xmlns:p16="http://schemas.microsoft.com/office/powerpoint/2015/main" val="1"/>
-              </p:ext>
-            </p:extLst>
-          </p:nvPr>
-        </p:nvGrpSpPr>
-        <p:grpSpPr>
-          <a:xfrm>
-            <a:off x="1155481" y="498348"/>
-            <a:ext cx="9902663" cy="5861304"/>
-            <a:chOff x="1155481" y="498348"/>
-            <a:chExt cx="9902663" cy="5861304"/>
-          </a:xfrm>
-        </p:grpSpPr>
-        <p:sp>
-          <p:nvSpPr>
-            <p:cNvPr id="12" name="Oval 5">
-              <a:extLst>
-                <a:ext uri="{FF2B5EF4-FFF2-40B4-BE49-F238E27FC236}">
-                  <a16:creationId xmlns:a16="http://schemas.microsoft.com/office/drawing/2014/main" id="{985A7375-E3AF-4F5C-85AE-17E8832952CA}"/>
-                </a:ext>
-                <a:ext uri="{C183D7F6-B498-43B3-948B-1728B52AA6E4}">
-                  <adec:decorative xmlns:adec="http://schemas.microsoft.com/office/drawing/2017/decorative" val="1"/>
-                </a:ext>
-              </a:extLst>
-            </p:cNvPr>
-            <p:cNvSpPr>
-              <a:spLocks noChangeArrowheads="1"/>
-            </p:cNvSpPr>
-            <p:nvPr>
-              <p:extLst>
-                <p:ext uri="{386F3935-93C4-4BCD-93E2-E3B085C9AB24}">
-                  <p16:designElem xmlns:p16="http://schemas.microsoft.com/office/powerpoint/2015/main" val="1"/>
-                </p:ext>
-              </p:extLst>
-            </p:nvPr>
-          </p:nvSpPr>
-          <p:spPr bwMode="auto">
-            <a:xfrm>
-              <a:off x="1155481" y="498348"/>
-              <a:ext cx="5861304" cy="5861304"/>
-            </a:xfrm>
-            <a:prstGeom prst="ellipse">
-              <a:avLst/>
-            </a:prstGeom>
-            <a:solidFill>
-              <a:schemeClr val="accent1">
-                <a:alpha val="55000"/>
-              </a:schemeClr>
-            </a:solidFill>
-            <a:ln>
-              <a:noFill/>
-            </a:ln>
-          </p:spPr>
-        </p:sp>
-        <p:sp>
-          <p:nvSpPr>
-            <p:cNvPr id="13" name="Oval 12">
-              <a:extLst>
-                <a:ext uri="{FF2B5EF4-FFF2-40B4-BE49-F238E27FC236}">
-                  <a16:creationId xmlns:a16="http://schemas.microsoft.com/office/drawing/2014/main" id="{F0307F65-8304-4FA8-A841-D4D7625411BE}"/>
-                </a:ext>
-                <a:ext uri="{C183D7F6-B498-43B3-948B-1728B52AA6E4}">
-                  <adec:decorative xmlns:adec="http://schemas.microsoft.com/office/drawing/2017/decorative" val="1"/>
-                </a:ext>
-              </a:extLst>
-            </p:cNvPr>
-            <p:cNvSpPr>
-              <a:spLocks noChangeArrowheads="1"/>
-            </p:cNvSpPr>
-            <p:nvPr>
-              <p:extLst>
-                <p:ext uri="{386F3935-93C4-4BCD-93E2-E3B085C9AB24}">
-                  <p16:designElem xmlns:p16="http://schemas.microsoft.com/office/powerpoint/2015/main" val="1"/>
-                </p:ext>
-              </p:extLst>
-            </p:nvPr>
-          </p:nvSpPr>
-          <p:spPr bwMode="auto">
-            <a:xfrm>
-              <a:off x="5196840" y="498348"/>
-              <a:ext cx="5861304" cy="5861304"/>
-            </a:xfrm>
-            <a:prstGeom prst="ellipse">
-              <a:avLst/>
-            </a:prstGeom>
-            <a:solidFill>
-              <a:schemeClr val="accent1">
-                <a:alpha val="55000"/>
-              </a:schemeClr>
-            </a:solidFill>
-            <a:ln>
-              <a:noFill/>
-            </a:ln>
-          </p:spPr>
-        </p:sp>
-        <p:sp>
-          <p:nvSpPr>
-            <p:cNvPr id="14" name="Oval 5">
-              <a:extLst>
-                <a:ext uri="{FF2B5EF4-FFF2-40B4-BE49-F238E27FC236}">
-                  <a16:creationId xmlns:a16="http://schemas.microsoft.com/office/drawing/2014/main" id="{C8B8394C-136F-4E05-A002-D93A5E79CD50}"/>
-                </a:ext>
-                <a:ext uri="{C183D7F6-B498-43B3-948B-1728B52AA6E4}">
-                  <adec:decorative xmlns:adec="http://schemas.microsoft.com/office/drawing/2017/decorative" val="1"/>
-                </a:ext>
-              </a:extLst>
-            </p:cNvPr>
-            <p:cNvSpPr>
-              <a:spLocks noChangeArrowheads="1"/>
-            </p:cNvSpPr>
-            <p:nvPr>
-              <p:extLst>
-                <p:ext uri="{386F3935-93C4-4BCD-93E2-E3B085C9AB24}">
-                  <p16:designElem xmlns:p16="http://schemas.microsoft.com/office/powerpoint/2015/main" val="1"/>
-                </p:ext>
-              </p:extLst>
-            </p:nvPr>
-          </p:nvSpPr>
-          <p:spPr bwMode="auto">
-            <a:xfrm>
-              <a:off x="3165348" y="498348"/>
-              <a:ext cx="5861304" cy="5861304"/>
-            </a:xfrm>
-            <a:prstGeom prst="ellipse">
-              <a:avLst/>
-            </a:prstGeom>
-            <a:solidFill>
-              <a:schemeClr val="accent1">
-                <a:alpha val="70000"/>
-              </a:schemeClr>
-            </a:solidFill>
-            <a:ln>
-              <a:noFill/>
-            </a:ln>
-          </p:spPr>
-        </p:sp>
-      </p:grpSp>
-      <p:sp>
-        <p:nvSpPr>
-          <p:cNvPr id="16" name="Rectangle 15">
-            <a:extLst>
-              <a:ext uri="{FF2B5EF4-FFF2-40B4-BE49-F238E27FC236}">
-                <a16:creationId xmlns:a16="http://schemas.microsoft.com/office/drawing/2014/main" id="{053FB2EE-284F-4C87-AB3D-BBF87A9FAB97}"/>
-              </a:ext>
-              <a:ext uri="{C183D7F6-B498-43B3-948B-1728B52AA6E4}">
-                <adec:decorative xmlns:adec="http://schemas.microsoft.com/office/drawing/2017/decorative" val="1"/>
-              </a:ext>
-            </a:extLst>
-          </p:cNvPr>
-          <p:cNvSpPr>
-            <a:spLocks noGrp="1" noRot="1" noChangeAspect="1" noMove="1" noResize="1" noEditPoints="1" noAdjustHandles="1" noChangeArrowheads="1" noChangeShapeType="1" noTextEdit="1"/>
-          </p:cNvSpPr>
-          <p:nvPr>
-            <p:extLst>
-              <p:ext uri="{386F3935-93C4-4BCD-93E2-E3B085C9AB24}">
-                <p16:designElem xmlns:p16="http://schemas.microsoft.com/office/powerpoint/2015/main" val="1"/>
-              </p:ext>
-            </p:extLst>
-          </p:nvPr>
-        </p:nvSpPr>
-        <p:spPr>
-          <a:xfrm>
-            <a:off x="0" y="2514600"/>
-            <a:ext cx="12192000" cy="1828800"/>
-          </a:xfrm>
-          <a:prstGeom prst="rect">
-            <a:avLst/>
-          </a:prstGeom>
-          <a:solidFill>
-            <a:schemeClr val="tx2"/>
-          </a:solidFill>
-          <a:ln>
-            <a:noFill/>
-          </a:ln>
-        </p:spPr>
-        <p:style>
-          <a:lnRef idx="2">
-            <a:schemeClr val="accent1">
-              <a:shade val="50000"/>
-            </a:schemeClr>
-          </a:lnRef>
-          <a:fillRef idx="1">
-            <a:schemeClr val="accent1"/>
-          </a:fillRef>
-          <a:effectRef idx="0">
-            <a:schemeClr val="accent1"/>
-          </a:effectRef>
-          <a:fontRef idx="minor">
-            <a:schemeClr val="lt1"/>
-          </a:fontRef>
-        </p:style>
-      </p:sp>
-      <p:sp>
-        <p:nvSpPr>
-          <p:cNvPr id="2" name="Title 1"/>
-          <p:cNvSpPr>
-            <a:spLocks noGrp="1"/>
-          </p:cNvSpPr>
-          <p:nvPr>
-            <p:ph type="title"/>
-          </p:nvPr>
-        </p:nvSpPr>
-        <p:spPr>
-          <a:xfrm>
-            <a:off x="1524000" y="2776538"/>
-            <a:ext cx="9144000" cy="1381188"/>
-          </a:xfrm>
-        </p:spPr>
-        <p:txBody>
-          <a:bodyPr vert="horz" lIns="91440" tIns="45720" rIns="91440" bIns="45720" rtlCol="0" anchor="ctr">
-            <a:normAutofit/>
-          </a:bodyPr>
-          <a:lstStyle/>
-          <a:p>
-            <a:pPr algn="ctr"/>
-            <a:r>
-              <a:rPr lang="en-US" sz="4000" kern="1200">
-                <a:solidFill>
-                  <a:schemeClr val="bg2"/>
-                </a:solidFill>
-                <a:latin typeface="+mj-lt"/>
-                <a:ea typeface="+mj-ea"/>
-                <a:cs typeface="+mj-cs"/>
-              </a:rPr>
-              <a:t>Common Tools</a:t>
-            </a:r>
-          </a:p>
-        </p:txBody>
-      </p:sp>
-      <p:sp>
-        <p:nvSpPr>
-          <p:cNvPr id="3" name="Text Placeholder 2"/>
-          <p:cNvSpPr>
-            <a:spLocks noGrp="1"/>
-          </p:cNvSpPr>
-          <p:nvPr>
-            <p:ph type="body" idx="1"/>
-          </p:nvPr>
-        </p:nvSpPr>
-        <p:spPr>
-          <a:xfrm>
-            <a:off x="1524000" y="4495800"/>
-            <a:ext cx="9144000" cy="762000"/>
-          </a:xfrm>
-        </p:spPr>
-        <p:txBody>
-          <a:bodyPr vert="horz" lIns="91440" tIns="45720" rIns="91440" bIns="45720" rtlCol="0">
-            <a:normAutofit/>
-          </a:bodyPr>
-          <a:lstStyle/>
-          <a:p>
-            <a:pPr algn="ctr"/>
-            <a:endParaRPr lang="en-US" sz="1800" kern="1200">
-              <a:solidFill>
-                <a:schemeClr val="tx1"/>
-              </a:solidFill>
-              <a:latin typeface="+mn-lt"/>
-              <a:ea typeface="+mn-ea"/>
-              <a:cs typeface="+mn-cs"/>
-            </a:endParaRPr>
-          </a:p>
-        </p:txBody>
-      </p:sp>
-    </p:spTree>
-    <p:extLst>
-      <p:ext uri="{BB962C8B-B14F-4D97-AF65-F5344CB8AC3E}">
-        <p14:creationId xmlns:p14="http://schemas.microsoft.com/office/powerpoint/2010/main" val="1771266446"/>
-      </p:ext>
-    </p:extLst>
-  </p:cSld>
-  <p:clrMapOvr>
-    <a:masterClrMapping/>
-  </p:clrMapOvr>
-</p:sld>
-</file>
-
-<file path=ppt/slides/slide33.xml><?xml version="1.0" encoding="utf-8"?>
-<p:sld xmlns:a="http://schemas.openxmlformats.org/drawingml/2006/main" xmlns:r="http://schemas.openxmlformats.org/officeDocument/2006/relationships" xmlns:p="http://schemas.openxmlformats.org/presentationml/2006/main">
-  <p:cSld>
-    <p:bg>
-      <p:bgPr>
-        <a:solidFill>
           <a:schemeClr val="bg1"/>
         </a:solidFill>
         <a:effectLst/>
@@ -30572,7 +30515,7 @@
                 <a16:creationId xmlns:a16="http://schemas.microsoft.com/office/drawing/2014/main" id="{BE95D989-81FA-4BAD-9AD5-E46CEDA91B36}"/>
               </a:ext>
               <a:ext uri="{C183D7F6-B498-43B3-948B-1728B52AA6E4}">
-                <adec:decorative xmlns:adec="http://schemas.microsoft.com/office/drawing/2017/decorative" val="1"/>
+                <adec:decorative xmlns:adec="http://schemas.microsoft.com/office/drawing/2017/decorative" xmlns="" val="1"/>
               </a:ext>
             </a:extLst>
           </p:cNvPr>
@@ -30664,7 +30607,7 @@
                 <a16:creationId xmlns:a16="http://schemas.microsoft.com/office/drawing/2014/main" id="{156189E5-8A3E-4CFD-B71B-CCD0F8495E56}"/>
               </a:ext>
               <a:ext uri="{C183D7F6-B498-43B3-948B-1728B52AA6E4}">
-                <adec:decorative xmlns:adec="http://schemas.microsoft.com/office/drawing/2017/decorative" val="1"/>
+                <adec:decorative xmlns:adec="http://schemas.microsoft.com/office/drawing/2017/decorative" xmlns="" val="1"/>
               </a:ext>
             </a:extLst>
           </p:cNvPr>
@@ -30867,7 +30810,7 @@
 </p:sld>
 </file>
 
-<file path=ppt/slides/slide34.xml><?xml version="1.0" encoding="utf-8"?>
+<file path=ppt/slides/slide33.xml><?xml version="1.0" encoding="utf-8"?>
 <p:sld xmlns:a="http://schemas.openxmlformats.org/drawingml/2006/main" xmlns:r="http://schemas.openxmlformats.org/officeDocument/2006/relationships" xmlns:p="http://schemas.openxmlformats.org/presentationml/2006/main">
   <p:cSld>
     <p:bg>
@@ -30913,7 +30856,7 @@
                 <a14:useLocalDpi xmlns:a14="http://schemas.microsoft.com/office/drawing/2010/main" val="0"/>
               </a:ext>
               <a:ext uri="{96DAC541-7B7A-43D3-8B79-37D633B846F1}">
-                <asvg:svgBlip xmlns:asvg="http://schemas.microsoft.com/office/drawing/2016/SVG/main" r:embed="rId3"/>
+                <asvg:svgBlip xmlns:asvg="http://schemas.microsoft.com/office/drawing/2016/SVG/main" xmlns="" r:embed="rId3"/>
               </a:ext>
             </a:extLst>
           </a:blip>
@@ -30939,7 +30882,7 @@
                 <a16:creationId xmlns:a16="http://schemas.microsoft.com/office/drawing/2014/main" id="{1A882A9F-F4E9-4E23-8F0B-20B5DF42EAA9}"/>
               </a:ext>
               <a:ext uri="{C183D7F6-B498-43B3-948B-1728B52AA6E4}">
-                <adec:decorative xmlns:adec="http://schemas.microsoft.com/office/drawing/2017/decorative" val="1"/>
+                <adec:decorative xmlns:adec="http://schemas.microsoft.com/office/drawing/2017/decorative" xmlns="" val="1"/>
               </a:ext>
             </a:extLst>
           </p:cNvPr>
@@ -31033,7 +30976,7 @@
                 <a16:creationId xmlns:a16="http://schemas.microsoft.com/office/drawing/2014/main" id="{FBE9F90C-C163-435B-9A68-D15C92D1CF2B}"/>
               </a:ext>
               <a:ext uri="{C183D7F6-B498-43B3-948B-1728B52AA6E4}">
-                <adec:decorative xmlns:adec="http://schemas.microsoft.com/office/drawing/2017/decorative" val="1"/>
+                <adec:decorative xmlns:adec="http://schemas.microsoft.com/office/drawing/2017/decorative" xmlns="" val="1"/>
               </a:ext>
             </a:extLst>
           </p:cNvPr>
@@ -31127,7 +31070,7 @@
                 <a16:creationId xmlns:a16="http://schemas.microsoft.com/office/drawing/2014/main" id="{CDA1A2E9-63FE-408D-A803-8E306ECAB4B3}"/>
               </a:ext>
               <a:ext uri="{C183D7F6-B498-43B3-948B-1728B52AA6E4}">
-                <adec:decorative xmlns:adec="http://schemas.microsoft.com/office/drawing/2017/decorative" val="1"/>
+                <adec:decorative xmlns:adec="http://schemas.microsoft.com/office/drawing/2017/decorative" xmlns="" val="1"/>
               </a:ext>
             </a:extLst>
           </p:cNvPr>
@@ -31359,123 +31302,7 @@
 </p:sld>
 </file>
 
-<file path=ppt/slides/slide35.xml><?xml version="1.0" encoding="utf-8"?>
-<p:sld xmlns:a="http://schemas.openxmlformats.org/drawingml/2006/main" xmlns:r="http://schemas.openxmlformats.org/officeDocument/2006/relationships" xmlns:p="http://schemas.openxmlformats.org/presentationml/2006/main">
-  <p:cSld>
-    <p:spTree>
-      <p:nvGrpSpPr>
-        <p:cNvPr id="1" name=""/>
-        <p:cNvGrpSpPr/>
-        <p:nvPr/>
-      </p:nvGrpSpPr>
-      <p:grpSpPr>
-        <a:xfrm>
-          <a:off x="0" y="0"/>
-          <a:ext cx="0" cy="0"/>
-          <a:chOff x="0" y="0"/>
-          <a:chExt cx="0" cy="0"/>
-        </a:xfrm>
-      </p:grpSpPr>
-      <p:sp>
-        <p:nvSpPr>
-          <p:cNvPr id="2" name="Title 1">
-            <a:extLst>
-              <a:ext uri="{FF2B5EF4-FFF2-40B4-BE49-F238E27FC236}">
-                <a16:creationId xmlns:a16="http://schemas.microsoft.com/office/drawing/2014/main" id="{CECEC0A2-0FBC-4FD8-99C8-5BE017C081E6}"/>
-              </a:ext>
-            </a:extLst>
-          </p:cNvPr>
-          <p:cNvSpPr>
-            <a:spLocks noGrp="1"/>
-          </p:cNvSpPr>
-          <p:nvPr>
-            <p:ph type="title"/>
-          </p:nvPr>
-        </p:nvSpPr>
-        <p:spPr/>
-        <p:txBody>
-          <a:bodyPr>
-            <a:normAutofit/>
-          </a:bodyPr>
-          <a:lstStyle/>
-          <a:p>
-            <a:r>
-              <a:rPr lang="en-US" sz="4800" dirty="0"/>
-              <a:t>Your To-Do List For Next Class</a:t>
-            </a:r>
-          </a:p>
-        </p:txBody>
-      </p:sp>
-      <p:sp>
-        <p:nvSpPr>
-          <p:cNvPr id="3" name="Content Placeholder 2">
-            <a:extLst>
-              <a:ext uri="{FF2B5EF4-FFF2-40B4-BE49-F238E27FC236}">
-                <a16:creationId xmlns:a16="http://schemas.microsoft.com/office/drawing/2014/main" id="{A0CE4E65-3524-408A-B9CE-20BAEBFA1991}"/>
-              </a:ext>
-            </a:extLst>
-          </p:cNvPr>
-          <p:cNvSpPr>
-            <a:spLocks noGrp="1"/>
-          </p:cNvSpPr>
-          <p:nvPr>
-            <p:ph idx="1"/>
-          </p:nvPr>
-        </p:nvSpPr>
-        <p:spPr/>
-        <p:txBody>
-          <a:bodyPr>
-            <a:normAutofit/>
-          </a:bodyPr>
-          <a:lstStyle/>
-          <a:p>
-            <a:r>
-              <a:rPr lang="en-US" sz="3200" dirty="0"/>
-              <a:t>Read (05 – Command Line Interfaces)</a:t>
-            </a:r>
-          </a:p>
-          <a:p>
-            <a:pPr lvl="1"/>
-            <a:r>
-              <a:rPr lang="en-US" dirty="0"/>
-              <a:t>Reading Something</a:t>
-            </a:r>
-          </a:p>
-          <a:p>
-            <a:r>
-              <a:rPr lang="en-US" dirty="0"/>
-              <a:t>Homework:</a:t>
-            </a:r>
-          </a:p>
-          <a:p>
-            <a:pPr lvl="1"/>
-            <a:r>
-              <a:rPr lang="en-US" dirty="0"/>
-              <a:t>Lab 01 - Networking</a:t>
-            </a:r>
-          </a:p>
-          <a:p>
-            <a:pPr marL="457200" lvl="1" indent="0">
-              <a:buNone/>
-            </a:pPr>
-            <a:endParaRPr lang="en-US" dirty="0"/>
-          </a:p>
-        </p:txBody>
-      </p:sp>
-    </p:spTree>
-    <p:extLst>
-      <p:ext uri="{BB962C8B-B14F-4D97-AF65-F5344CB8AC3E}">
-        <p14:creationId xmlns:p14="http://schemas.microsoft.com/office/powerpoint/2010/main" val="1060460596"/>
-      </p:ext>
-    </p:extLst>
-  </p:cSld>
-  <p:clrMapOvr>
-    <a:masterClrMapping/>
-  </p:clrMapOvr>
-</p:sld>
-</file>
-
-<file path=ppt/slides/slide36.xml><?xml version="1.0" encoding="utf-8"?>
+<file path=ppt/slides/slide34.xml><?xml version="1.0" encoding="utf-8"?>
 <p:sld xmlns:a="http://schemas.openxmlformats.org/drawingml/2006/main" xmlns:r="http://schemas.openxmlformats.org/officeDocument/2006/relationships" xmlns:p="http://schemas.openxmlformats.org/presentationml/2006/main">
   <p:cSld>
     <p:bg>
@@ -31508,7 +31335,7 @@
                 <a16:creationId xmlns:a16="http://schemas.microsoft.com/office/drawing/2014/main" id="{0482A7D0-DB09-4EBA-8D52-E6A5934B668D}"/>
               </a:ext>
               <a:ext uri="{C183D7F6-B498-43B3-948B-1728B52AA6E4}">
-                <adec:decorative xmlns:adec="http://schemas.microsoft.com/office/drawing/2017/decorative" val="1"/>
+                <adec:decorative xmlns:adec="http://schemas.microsoft.com/office/drawing/2017/decorative" xmlns="" val="1"/>
               </a:ext>
             </a:extLst>
           </p:cNvPr>
@@ -31597,7 +31424,7 @@
                 <a16:creationId xmlns:a16="http://schemas.microsoft.com/office/drawing/2014/main" id="{1A3688C8-DFCE-4CCD-BCF0-5FB239E5072D}"/>
               </a:ext>
               <a:ext uri="{C183D7F6-B498-43B3-948B-1728B52AA6E4}">
-                <adec:decorative xmlns:adec="http://schemas.microsoft.com/office/drawing/2017/decorative" val="1"/>
+                <adec:decorative xmlns:adec="http://schemas.microsoft.com/office/drawing/2017/decorative" xmlns="" val="1"/>
               </a:ext>
             </a:extLst>
           </p:cNvPr>
@@ -31762,7 +31589,7 @@
                 <a16:creationId xmlns:a16="http://schemas.microsoft.com/office/drawing/2014/main" id="{D598FBE3-48D2-40A2-B7E6-F485834C8213}"/>
               </a:ext>
               <a:ext uri="{C183D7F6-B498-43B3-948B-1728B52AA6E4}">
-                <adec:decorative xmlns:adec="http://schemas.microsoft.com/office/drawing/2017/decorative" val="1"/>
+                <adec:decorative xmlns:adec="http://schemas.microsoft.com/office/drawing/2017/decorative" xmlns="" val="1"/>
               </a:ext>
             </a:extLst>
           </p:cNvPr>
@@ -31817,7 +31644,7 @@
                 <a16:creationId xmlns:a16="http://schemas.microsoft.com/office/drawing/2014/main" id="{8482FDCF-45F3-40F1-8751-19B7AFB3CFCE}"/>
               </a:ext>
               <a:ext uri="{C183D7F6-B498-43B3-948B-1728B52AA6E4}">
-                <adec:decorative xmlns:adec="http://schemas.microsoft.com/office/drawing/2017/decorative" val="1"/>
+                <adec:decorative xmlns:adec="http://schemas.microsoft.com/office/drawing/2017/decorative" xmlns="" val="1"/>
               </a:ext>
             </a:extLst>
           </p:cNvPr>
@@ -32009,7 +31836,7 @@
 </p:sld>
 </file>
 
-<file path=ppt/slides/slide37.xml><?xml version="1.0" encoding="utf-8"?>
+<file path=ppt/slides/slide35.xml><?xml version="1.0" encoding="utf-8"?>
 <p:sld xmlns:a="http://schemas.openxmlformats.org/drawingml/2006/main" xmlns:r="http://schemas.openxmlformats.org/officeDocument/2006/relationships" xmlns:p="http://schemas.openxmlformats.org/presentationml/2006/main">
   <p:cSld>
     <p:bg>
@@ -32055,7 +31882,7 @@
                 <a14:useLocalDpi xmlns:a14="http://schemas.microsoft.com/office/drawing/2010/main" val="0"/>
               </a:ext>
               <a:ext uri="{96DAC541-7B7A-43D3-8B79-37D633B846F1}">
-                <asvg:svgBlip xmlns:asvg="http://schemas.microsoft.com/office/drawing/2016/SVG/main" r:embed="rId3"/>
+                <asvg:svgBlip xmlns:asvg="http://schemas.microsoft.com/office/drawing/2016/SVG/main" xmlns="" r:embed="rId3"/>
               </a:ext>
             </a:extLst>
           </a:blip>
@@ -32081,7 +31908,7 @@
                 <a16:creationId xmlns:a16="http://schemas.microsoft.com/office/drawing/2014/main" id="{1A882A9F-F4E9-4E23-8F0B-20B5DF42EAA9}"/>
               </a:ext>
               <a:ext uri="{C183D7F6-B498-43B3-948B-1728B52AA6E4}">
-                <adec:decorative xmlns:adec="http://schemas.microsoft.com/office/drawing/2017/decorative" val="1"/>
+                <adec:decorative xmlns:adec="http://schemas.microsoft.com/office/drawing/2017/decorative" xmlns="" val="1"/>
               </a:ext>
             </a:extLst>
           </p:cNvPr>
@@ -32175,7 +32002,7 @@
                 <a16:creationId xmlns:a16="http://schemas.microsoft.com/office/drawing/2014/main" id="{FBE9F90C-C163-435B-9A68-D15C92D1CF2B}"/>
               </a:ext>
               <a:ext uri="{C183D7F6-B498-43B3-948B-1728B52AA6E4}">
-                <adec:decorative xmlns:adec="http://schemas.microsoft.com/office/drawing/2017/decorative" val="1"/>
+                <adec:decorative xmlns:adec="http://schemas.microsoft.com/office/drawing/2017/decorative" xmlns="" val="1"/>
               </a:ext>
             </a:extLst>
           </p:cNvPr>
@@ -32269,7 +32096,7 @@
                 <a16:creationId xmlns:a16="http://schemas.microsoft.com/office/drawing/2014/main" id="{CDA1A2E9-63FE-408D-A803-8E306ECAB4B3}"/>
               </a:ext>
               <a:ext uri="{C183D7F6-B498-43B3-948B-1728B52AA6E4}">
-                <adec:decorative xmlns:adec="http://schemas.microsoft.com/office/drawing/2017/decorative" val="1"/>
+                <adec:decorative xmlns:adec="http://schemas.microsoft.com/office/drawing/2017/decorative" xmlns="" val="1"/>
               </a:ext>
             </a:extLst>
           </p:cNvPr>
@@ -32482,7 +32309,7 @@
                 <a16:creationId xmlns:a16="http://schemas.microsoft.com/office/drawing/2014/main" id="{F98ED85F-DCEE-4B50-802E-71A6E3E12B04}"/>
               </a:ext>
               <a:ext uri="{C183D7F6-B498-43B3-948B-1728B52AA6E4}">
-                <adec:decorative xmlns:adec="http://schemas.microsoft.com/office/drawing/2017/decorative" val="1"/>
+                <adec:decorative xmlns:adec="http://schemas.microsoft.com/office/drawing/2017/decorative" xmlns="" val="1"/>
               </a:ext>
             </a:extLst>
           </p:cNvPr>
@@ -32665,7 +32492,7 @@
                 <a16:creationId xmlns:a16="http://schemas.microsoft.com/office/drawing/2014/main" id="{237C5064-1F64-4BFD-9E42-A4DCC049AA78}"/>
               </a:ext>
               <a:ext uri="{C183D7F6-B498-43B3-948B-1728B52AA6E4}">
-                <adec:decorative xmlns:adec="http://schemas.microsoft.com/office/drawing/2017/decorative" val="1"/>
+                <adec:decorative xmlns:adec="http://schemas.microsoft.com/office/drawing/2017/decorative" xmlns="" val="1"/>
               </a:ext>
             </a:extLst>
           </p:cNvPr>
@@ -32688,7 +32515,7 @@
                 <a14:useLocalDpi xmlns:a14="http://schemas.microsoft.com/office/drawing/2010/main" val="0"/>
               </a:ext>
               <a:ext uri="{96DAC541-7B7A-43D3-8B79-37D633B846F1}">
-                <asvg:svgBlip xmlns:asvg="http://schemas.microsoft.com/office/drawing/2016/SVG/main" r:embed="rId3"/>
+                <asvg:svgBlip xmlns:asvg="http://schemas.microsoft.com/office/drawing/2016/SVG/main" xmlns="" r:embed="rId3"/>
               </a:ext>
             </a:extLst>
           </a:blip>
@@ -32727,7 +32554,7 @@
                 <a14:useLocalDpi xmlns:a14="http://schemas.microsoft.com/office/drawing/2010/main" val="0"/>
               </a:ext>
               <a:ext uri="{96DAC541-7B7A-43D3-8B79-37D633B846F1}">
-                <asvg:svgBlip xmlns:asvg="http://schemas.microsoft.com/office/drawing/2016/SVG/main" r:embed="rId3"/>
+                <asvg:svgBlip xmlns:asvg="http://schemas.microsoft.com/office/drawing/2016/SVG/main" xmlns="" r:embed="rId3"/>
               </a:ext>
             </a:extLst>
           </a:blip>
@@ -32860,7 +32687,7 @@
                 <a16:creationId xmlns:a16="http://schemas.microsoft.com/office/drawing/2014/main" id="{08E89D5E-1885-4160-AC77-CC471DD1D0DB}"/>
               </a:ext>
               <a:ext uri="{C183D7F6-B498-43B3-948B-1728B52AA6E4}">
-                <adec:decorative xmlns:adec="http://schemas.microsoft.com/office/drawing/2017/decorative" val="1"/>
+                <adec:decorative xmlns:adec="http://schemas.microsoft.com/office/drawing/2017/decorative" xmlns="" val="1"/>
               </a:ext>
             </a:extLst>
           </p:cNvPr>
@@ -32920,7 +32747,7 @@
                 <a16:creationId xmlns:a16="http://schemas.microsoft.com/office/drawing/2014/main" id="{550D2BD1-98F9-412D-905B-3A843EF4078B}"/>
               </a:ext>
               <a:ext uri="{C183D7F6-B498-43B3-948B-1728B52AA6E4}">
-                <adec:decorative xmlns:adec="http://schemas.microsoft.com/office/drawing/2017/decorative" val="1"/>
+                <adec:decorative xmlns:adec="http://schemas.microsoft.com/office/drawing/2017/decorative" xmlns="" val="1"/>
               </a:ext>
             </a:extLst>
           </p:cNvPr>
@@ -33076,7 +32903,7 @@
                 <a16:creationId xmlns:a16="http://schemas.microsoft.com/office/drawing/2014/main" id="{BE95D989-81FA-4BAD-9AD5-E46CEDA91B36}"/>
               </a:ext>
               <a:ext uri="{C183D7F6-B498-43B3-948B-1728B52AA6E4}">
-                <adec:decorative xmlns:adec="http://schemas.microsoft.com/office/drawing/2017/decorative" val="1"/>
+                <adec:decorative xmlns:adec="http://schemas.microsoft.com/office/drawing/2017/decorative" xmlns="" val="1"/>
               </a:ext>
             </a:extLst>
           </p:cNvPr>
@@ -33168,7 +32995,7 @@
                 <a16:creationId xmlns:a16="http://schemas.microsoft.com/office/drawing/2014/main" id="{156189E5-8A3E-4CFD-B71B-CCD0F8495E56}"/>
               </a:ext>
               <a:ext uri="{C183D7F6-B498-43B3-948B-1728B52AA6E4}">
-                <adec:decorative xmlns:adec="http://schemas.microsoft.com/office/drawing/2017/decorative" val="1"/>
+                <adec:decorative xmlns:adec="http://schemas.microsoft.com/office/drawing/2017/decorative" xmlns="" val="1"/>
               </a:ext>
             </a:extLst>
           </p:cNvPr>
@@ -33325,7 +33152,7 @@
                   <a:spcPts val="600"/>
                 </a:spcAft>
               </a:pPr>
-              <a:t>8/9/2018</a:t>
+              <a:t>8/21/2018</a:t>
             </a:fld>
             <a:endParaRPr lang="en-US" sz="1100">
               <a:solidFill>
@@ -33571,7 +33398,7 @@
                   <a:spcPts val="600"/>
                 </a:spcAft>
               </a:pPr>
-              <a:t>8/9/2018</a:t>
+              <a:t>8/21/2018</a:t>
             </a:fld>
             <a:endParaRPr lang="en-US"/>
           </a:p>
